--- a/Slides/update3_kinematics.pptx
+++ b/Slides/update3_kinematics.pptx
@@ -5,10 +5,10 @@
     <p:sldMasterId id="2147483660" r:id="rId1"/>
   </p:sldMasterIdLst>
   <p:notesMasterIdLst>
-    <p:notesMasterId r:id="rId20"/>
+    <p:notesMasterId r:id="rId17"/>
   </p:notesMasterIdLst>
   <p:handoutMasterIdLst>
-    <p:handoutMasterId r:id="rId21"/>
+    <p:handoutMasterId r:id="rId18"/>
   </p:handoutMasterIdLst>
   <p:sldIdLst>
     <p:sldId id="256" r:id="rId2"/>
@@ -26,9 +26,6 @@
     <p:sldId id="305" r:id="rId14"/>
     <p:sldId id="306" r:id="rId15"/>
     <p:sldId id="288" r:id="rId16"/>
-    <p:sldId id="298" r:id="rId17"/>
-    <p:sldId id="289" r:id="rId18"/>
-    <p:sldId id="290" r:id="rId19"/>
   </p:sldIdLst>
   <p:sldSz cx="12192000" cy="6858000"/>
   <p:notesSz cx="6858000" cy="9144000"/>
@@ -366,7 +363,7 @@
           <a:p>
             <a:fld id="{A9A44A77-9DDE-461D-BD65-BFC0B5AAC1EE}" type="datetimeFigureOut">
               <a:rPr lang="en-US" smtClean="0"/>
-              <a:t>31-Oct-21</a:t>
+              <a:t>02-Nov-21</a:t>
             </a:fld>
             <a:endParaRPr lang="en-US" dirty="0"/>
           </a:p>
@@ -543,7 +540,7 @@
           <a:p>
             <a:fld id="{B8D84E1C-AC56-4754-80D0-24446F1FACE3}" type="datetimeFigureOut">
               <a:rPr lang="en-US" smtClean="0"/>
-              <a:t>31-Oct-21</a:t>
+              <a:t>02-Nov-21</a:t>
             </a:fld>
             <a:endParaRPr lang="en-US" dirty="0"/>
           </a:p>
@@ -1089,192 +1086,6 @@
     <p:extLst>
       <p:ext uri="{BB962C8B-B14F-4D97-AF65-F5344CB8AC3E}">
         <p14:creationId xmlns:p14="http://schemas.microsoft.com/office/powerpoint/2010/main" val="1719671083"/>
-      </p:ext>
-    </p:extLst>
-  </p:cSld>
-  <p:clrMapOvr>
-    <a:masterClrMapping/>
-  </p:clrMapOvr>
-</p:notes>
-</file>
-
-<file path=ppt/notesSlides/notesSlide4.xml><?xml version="1.0" encoding="utf-8"?>
-<p:notes xmlns:a="http://schemas.openxmlformats.org/drawingml/2006/main" xmlns:r="http://schemas.openxmlformats.org/officeDocument/2006/relationships" xmlns:p="http://schemas.openxmlformats.org/presentationml/2006/main">
-  <p:cSld>
-    <p:spTree>
-      <p:nvGrpSpPr>
-        <p:cNvPr id="1" name=""/>
-        <p:cNvGrpSpPr/>
-        <p:nvPr/>
-      </p:nvGrpSpPr>
-      <p:grpSpPr>
-        <a:xfrm>
-          <a:off x="0" y="0"/>
-          <a:ext cx="0" cy="0"/>
-          <a:chOff x="0" y="0"/>
-          <a:chExt cx="0" cy="0"/>
-        </a:xfrm>
-      </p:grpSpPr>
-      <p:sp>
-        <p:nvSpPr>
-          <p:cNvPr id="2" name="Slide Image Placeholder 1"/>
-          <p:cNvSpPr>
-            <a:spLocks noGrp="1" noRot="1" noChangeAspect="1"/>
-          </p:cNvSpPr>
-          <p:nvPr>
-            <p:ph type="sldImg"/>
-          </p:nvPr>
-        </p:nvSpPr>
-        <p:spPr/>
-      </p:sp>
-      <p:sp>
-        <p:nvSpPr>
-          <p:cNvPr id="3" name="Notes Placeholder 2"/>
-          <p:cNvSpPr>
-            <a:spLocks noGrp="1"/>
-          </p:cNvSpPr>
-          <p:nvPr>
-            <p:ph type="body" idx="1"/>
-          </p:nvPr>
-        </p:nvSpPr>
-        <p:spPr/>
-        <p:txBody>
-          <a:bodyPr/>
-          <a:lstStyle/>
-          <a:p>
-            <a:r>
-              <a:rPr lang="en-US" dirty="0"/>
-              <a:t>Common methods currently in use – Pneumatic and Cable-driven</a:t>
-            </a:r>
-          </a:p>
-        </p:txBody>
-      </p:sp>
-      <p:sp>
-        <p:nvSpPr>
-          <p:cNvPr id="4" name="Slide Number Placeholder 3"/>
-          <p:cNvSpPr>
-            <a:spLocks noGrp="1"/>
-          </p:cNvSpPr>
-          <p:nvPr>
-            <p:ph type="sldNum" sz="quarter" idx="5"/>
-          </p:nvPr>
-        </p:nvSpPr>
-        <p:spPr/>
-        <p:txBody>
-          <a:bodyPr/>
-          <a:lstStyle/>
-          <a:p>
-            <a:fld id="{C07A5FCA-05F3-42EE-9A16-C79343A2229E}" type="slidenum">
-              <a:rPr lang="en-US" smtClean="0"/>
-              <a:t>17</a:t>
-            </a:fld>
-            <a:endParaRPr lang="en-US" dirty="0"/>
-          </a:p>
-        </p:txBody>
-      </p:sp>
-    </p:spTree>
-    <p:extLst>
-      <p:ext uri="{BB962C8B-B14F-4D97-AF65-F5344CB8AC3E}">
-        <p14:creationId xmlns:p14="http://schemas.microsoft.com/office/powerpoint/2010/main" val="3721343009"/>
-      </p:ext>
-    </p:extLst>
-  </p:cSld>
-  <p:clrMapOvr>
-    <a:masterClrMapping/>
-  </p:clrMapOvr>
-</p:notes>
-</file>
-
-<file path=ppt/notesSlides/notesSlide5.xml><?xml version="1.0" encoding="utf-8"?>
-<p:notes xmlns:a="http://schemas.openxmlformats.org/drawingml/2006/main" xmlns:r="http://schemas.openxmlformats.org/officeDocument/2006/relationships" xmlns:p="http://schemas.openxmlformats.org/presentationml/2006/main">
-  <p:cSld>
-    <p:spTree>
-      <p:nvGrpSpPr>
-        <p:cNvPr id="1" name=""/>
-        <p:cNvGrpSpPr/>
-        <p:nvPr/>
-      </p:nvGrpSpPr>
-      <p:grpSpPr>
-        <a:xfrm>
-          <a:off x="0" y="0"/>
-          <a:ext cx="0" cy="0"/>
-          <a:chOff x="0" y="0"/>
-          <a:chExt cx="0" cy="0"/>
-        </a:xfrm>
-      </p:grpSpPr>
-      <p:sp>
-        <p:nvSpPr>
-          <p:cNvPr id="2" name="Slide Image Placeholder 1"/>
-          <p:cNvSpPr>
-            <a:spLocks noGrp="1" noRot="1" noChangeAspect="1"/>
-          </p:cNvSpPr>
-          <p:nvPr>
-            <p:ph type="sldImg"/>
-          </p:nvPr>
-        </p:nvSpPr>
-        <p:spPr/>
-      </p:sp>
-      <p:sp>
-        <p:nvSpPr>
-          <p:cNvPr id="3" name="Notes Placeholder 2"/>
-          <p:cNvSpPr>
-            <a:spLocks noGrp="1"/>
-          </p:cNvSpPr>
-          <p:nvPr>
-            <p:ph type="body" idx="1"/>
-          </p:nvPr>
-        </p:nvSpPr>
-        <p:spPr/>
-        <p:txBody>
-          <a:bodyPr/>
-          <a:lstStyle/>
-          <a:p>
-            <a:r>
-              <a:rPr lang="en-US" dirty="0"/>
-              <a:t>Drawback – non-linear response</a:t>
-            </a:r>
-          </a:p>
-          <a:p>
-            <a:r>
-              <a:rPr lang="en-US" dirty="0"/>
-              <a:t>Hysteresis leads to imprecise and difficult control</a:t>
-            </a:r>
-          </a:p>
-          <a:p>
-            <a:r>
-              <a:rPr lang="en-US" dirty="0"/>
-              <a:t>Efficiency of SMA actuator depends on the accuracy of control which in turn depends on the mathematical model</a:t>
-            </a:r>
-          </a:p>
-        </p:txBody>
-      </p:sp>
-      <p:sp>
-        <p:nvSpPr>
-          <p:cNvPr id="4" name="Slide Number Placeholder 3"/>
-          <p:cNvSpPr>
-            <a:spLocks noGrp="1"/>
-          </p:cNvSpPr>
-          <p:nvPr>
-            <p:ph type="sldNum" sz="quarter" idx="5"/>
-          </p:nvPr>
-        </p:nvSpPr>
-        <p:spPr/>
-        <p:txBody>
-          <a:bodyPr/>
-          <a:lstStyle/>
-          <a:p>
-            <a:fld id="{C07A5FCA-05F3-42EE-9A16-C79343A2229E}" type="slidenum">
-              <a:rPr lang="en-US" smtClean="0"/>
-              <a:t>18</a:t>
-            </a:fld>
-            <a:endParaRPr lang="en-US" dirty="0"/>
-          </a:p>
-        </p:txBody>
-      </p:sp>
-    </p:spTree>
-    <p:extLst>
-      <p:ext uri="{BB962C8B-B14F-4D97-AF65-F5344CB8AC3E}">
-        <p14:creationId xmlns:p14="http://schemas.microsoft.com/office/powerpoint/2010/main" val="3467737103"/>
       </p:ext>
     </p:extLst>
   </p:cSld>
@@ -6749,8 +6560,8 @@
           </a:p>
         </p:txBody>
       </p:sp>
-      <mc:AlternateContent xmlns:mc="http://schemas.openxmlformats.org/markup-compatibility/2006" xmlns:a14="http://schemas.microsoft.com/office/drawing/2010/main">
-        <mc:Choice Requires="a14">
+      <mc:AlternateContent xmlns:mc="http://schemas.openxmlformats.org/markup-compatibility/2006">
+        <mc:Choice xmlns:a14="http://schemas.microsoft.com/office/drawing/2010/main" Requires="a14">
           <p:sp>
             <p:nvSpPr>
               <p:cNvPr id="3" name="Content Placeholder 2">
@@ -6822,7 +6633,7 @@
                           <a:rPr lang="en-US" b="0" i="1" smtClean="0">
                             <a:latin typeface="Cambria Math" panose="02040503050406030204" pitchFamily="18" charset="0"/>
                           </a:rPr>
-                          <m:t>1</m:t>
+                          <m:t>′</m:t>
                         </m:r>
                       </m:sup>
                     </m:sSubSup>
@@ -7025,7 +6836,7 @@
                             <a:latin typeface="Cambria Math" panose="02040503050406030204" pitchFamily="18" charset="0"/>
                             <a:ea typeface="Cambria Math" panose="02040503050406030204" pitchFamily="18" charset="0"/>
                           </a:rPr>
-                          <m:t>1</m:t>
+                          <m:t>′</m:t>
                         </m:r>
                       </m:sup>
                     </m:sSubSup>
@@ -7089,7 +6900,7 @@
                                     <a:latin typeface="Cambria Math" panose="02040503050406030204" pitchFamily="18" charset="0"/>
                                     <a:ea typeface="Cambria Math" panose="02040503050406030204" pitchFamily="18" charset="0"/>
                                   </a:rPr>
-                                  <m:t>1</m:t>
+                                  <m:t>′</m:t>
                                 </m:r>
                               </m:sup>
                             </m:sSubSup>
@@ -7173,7 +6984,7 @@
                                     <a:latin typeface="Cambria Math" panose="02040503050406030204" pitchFamily="18" charset="0"/>
                                     <a:ea typeface="Cambria Math" panose="02040503050406030204" pitchFamily="18" charset="0"/>
                                   </a:rPr>
-                                  <m:t>1</m:t>
+                                  <m:t>′</m:t>
                                 </m:r>
                               </m:sup>
                             </m:sSubSup>
@@ -7230,7 +7041,7 @@
                             <a:latin typeface="Cambria Math" panose="02040503050406030204" pitchFamily="18" charset="0"/>
                             <a:ea typeface="Cambria Math" panose="02040503050406030204" pitchFamily="18" charset="0"/>
                           </a:rPr>
-                          <m:t>1</m:t>
+                          <m:t>′</m:t>
                         </m:r>
                       </m:sup>
                     </m:sSubSup>
@@ -7263,10 +7074,20 @@
                   <a:t>with root mean squared error = 0.00237 rad</a:t>
                 </a:r>
               </a:p>
+              <a:p>
+                <a:pPr lvl="1"/>
+                <a:endParaRPr lang="en-US" dirty="0"/>
+              </a:p>
+              <a:p>
+                <a:r>
+                  <a:rPr lang="en-US" dirty="0"/>
+                  <a:t>Relation gets closer to a line equation as n is increased, which is consistent with eqn. 3</a:t>
+                </a:r>
+              </a:p>
             </p:txBody>
           </p:sp>
         </mc:Choice>
-        <mc:Fallback xmlns="">
+        <mc:Fallback>
           <p:sp>
             <p:nvSpPr>
               <p:cNvPr id="3" name="Content Placeholder 2">
@@ -7393,8 +7214,8 @@
           </a:p>
         </p:txBody>
       </p:sp>
-      <mc:AlternateContent xmlns:mc="http://schemas.openxmlformats.org/markup-compatibility/2006" xmlns:a14="http://schemas.microsoft.com/office/drawing/2010/main">
-        <mc:Choice Requires="a14">
+      <mc:AlternateContent xmlns:mc="http://schemas.openxmlformats.org/markup-compatibility/2006">
+        <mc:Choice xmlns:a14="http://schemas.microsoft.com/office/drawing/2010/main" Requires="a14">
           <p:sp>
             <p:nvSpPr>
               <p:cNvPr id="3" name="Content Placeholder 2">
@@ -7859,6 +7680,99 @@
                         </m:r>
                       </m:e>
                     </m:d>
+                    <m:r>
+                      <a:rPr lang="en-US" b="0" i="1" smtClean="0">
+                        <a:latin typeface="Cambria Math" panose="02040503050406030204" pitchFamily="18" charset="0"/>
+                        <a:ea typeface="Cambria Math" panose="02040503050406030204" pitchFamily="18" charset="0"/>
+                      </a:rPr>
+                      <m:t>=</m:t>
+                    </m:r>
+                    <m:f>
+                      <m:fPr>
+                        <m:ctrlPr>
+                          <a:rPr lang="en-US" b="0" i="1" smtClean="0">
+                            <a:latin typeface="Cambria Math" panose="02040503050406030204" pitchFamily="18" charset="0"/>
+                            <a:ea typeface="Cambria Math" panose="02040503050406030204" pitchFamily="18" charset="0"/>
+                          </a:rPr>
+                        </m:ctrlPr>
+                      </m:fPr>
+                      <m:num>
+                        <m:r>
+                          <a:rPr lang="en-US" b="0" i="1" smtClean="0">
+                            <a:latin typeface="Cambria Math" panose="02040503050406030204" pitchFamily="18" charset="0"/>
+                            <a:ea typeface="Cambria Math" panose="02040503050406030204" pitchFamily="18" charset="0"/>
+                          </a:rPr>
+                          <m:t>𝜕</m:t>
+                        </m:r>
+                        <m:sSubSup>
+                          <m:sSubSupPr>
+                            <m:ctrlPr>
+                              <a:rPr lang="en-US" b="0" i="1" smtClean="0">
+                                <a:latin typeface="Cambria Math" panose="02040503050406030204" pitchFamily="18" charset="0"/>
+                                <a:ea typeface="Cambria Math" panose="02040503050406030204" pitchFamily="18" charset="0"/>
+                              </a:rPr>
+                            </m:ctrlPr>
+                          </m:sSubSupPr>
+                          <m:e>
+                            <m:r>
+                              <a:rPr lang="en-US" b="0" i="1" smtClean="0">
+                                <a:latin typeface="Cambria Math" panose="02040503050406030204" pitchFamily="18" charset="0"/>
+                                <a:ea typeface="Cambria Math" panose="02040503050406030204" pitchFamily="18" charset="0"/>
+                              </a:rPr>
+                              <m:t>𝑙</m:t>
+                            </m:r>
+                          </m:e>
+                          <m:sub>
+                            <m:r>
+                              <a:rPr lang="en-US" b="0" i="1" smtClean="0">
+                                <a:latin typeface="Cambria Math" panose="02040503050406030204" pitchFamily="18" charset="0"/>
+                                <a:ea typeface="Cambria Math" panose="02040503050406030204" pitchFamily="18" charset="0"/>
+                              </a:rPr>
+                              <m:t>1</m:t>
+                            </m:r>
+                          </m:sub>
+                          <m:sup>
+                            <m:r>
+                              <a:rPr lang="en-US" b="0" i="1" smtClean="0">
+                                <a:latin typeface="Cambria Math" panose="02040503050406030204" pitchFamily="18" charset="0"/>
+                                <a:ea typeface="Cambria Math" panose="02040503050406030204" pitchFamily="18" charset="0"/>
+                              </a:rPr>
+                              <m:t>′</m:t>
+                            </m:r>
+                          </m:sup>
+                        </m:sSubSup>
+                        <m:r>
+                          <a:rPr lang="en-US" b="0" i="1" smtClean="0">
+                            <a:latin typeface="Cambria Math" panose="02040503050406030204" pitchFamily="18" charset="0"/>
+                            <a:ea typeface="Cambria Math" panose="02040503050406030204" pitchFamily="18" charset="0"/>
+                          </a:rPr>
+                          <m:t>(</m:t>
+                        </m:r>
+                        <m:r>
+                          <a:rPr lang="en-US" b="0" i="1" smtClean="0">
+                            <a:latin typeface="Cambria Math" panose="02040503050406030204" pitchFamily="18" charset="0"/>
+                            <a:ea typeface="Cambria Math" panose="02040503050406030204" pitchFamily="18" charset="0"/>
+                          </a:rPr>
+                          <m:t>𝛼</m:t>
+                        </m:r>
+                        <m:r>
+                          <a:rPr lang="en-US" b="0" i="1" smtClean="0">
+                            <a:latin typeface="Cambria Math" panose="02040503050406030204" pitchFamily="18" charset="0"/>
+                            <a:ea typeface="Cambria Math" panose="02040503050406030204" pitchFamily="18" charset="0"/>
+                          </a:rPr>
+                          <m:t>)</m:t>
+                        </m:r>
+                      </m:num>
+                      <m:den>
+                        <m:r>
+                          <a:rPr lang="en-US" b="0" i="1" smtClean="0">
+                            <a:latin typeface="Cambria Math" panose="02040503050406030204" pitchFamily="18" charset="0"/>
+                            <a:ea typeface="Cambria Math" panose="02040503050406030204" pitchFamily="18" charset="0"/>
+                          </a:rPr>
+                          <m:t>𝜕𝛼</m:t>
+                        </m:r>
+                      </m:den>
+                    </m:f>
                     <m:r>
                       <a:rPr lang="en-US" b="0" i="1" smtClean="0">
                         <a:latin typeface="Cambria Math" panose="02040503050406030204" pitchFamily="18" charset="0"/>
@@ -8193,7 +8107,7 @@
             </p:txBody>
           </p:sp>
         </mc:Choice>
-        <mc:Fallback xmlns="">
+        <mc:Fallback>
           <p:sp>
             <p:nvSpPr>
               <p:cNvPr id="3" name="Content Placeholder 2">
@@ -8500,2692 +8414,6 @@
     <p:extLst>
       <p:ext uri="{BB962C8B-B14F-4D97-AF65-F5344CB8AC3E}">
         <p14:creationId xmlns:p14="http://schemas.microsoft.com/office/powerpoint/2010/main" val="2179688616"/>
-      </p:ext>
-    </p:extLst>
-  </p:cSld>
-  <p:clrMapOvr>
-    <a:masterClrMapping/>
-  </p:clrMapOvr>
-</p:sld>
-</file>
-
-<file path=ppt/slides/slide16.xml><?xml version="1.0" encoding="utf-8"?>
-<p:sld xmlns:a="http://schemas.openxmlformats.org/drawingml/2006/main" xmlns:r="http://schemas.openxmlformats.org/officeDocument/2006/relationships" xmlns:p="http://schemas.openxmlformats.org/presentationml/2006/main" show="0">
-  <p:cSld>
-    <p:spTree>
-      <p:nvGrpSpPr>
-        <p:cNvPr id="1" name=""/>
-        <p:cNvGrpSpPr/>
-        <p:nvPr/>
-      </p:nvGrpSpPr>
-      <p:grpSpPr>
-        <a:xfrm>
-          <a:off x="0" y="0"/>
-          <a:ext cx="0" cy="0"/>
-          <a:chOff x="0" y="0"/>
-          <a:chExt cx="0" cy="0"/>
-        </a:xfrm>
-      </p:grpSpPr>
-      <p:sp>
-        <p:nvSpPr>
-          <p:cNvPr id="2" name="Title 1">
-            <a:extLst>
-              <a:ext uri="{FF2B5EF4-FFF2-40B4-BE49-F238E27FC236}">
-                <a16:creationId xmlns:a16="http://schemas.microsoft.com/office/drawing/2014/main" id="{CEF6BD54-1C1C-4679-B1F4-9F63D36D3DC4}"/>
-              </a:ext>
-            </a:extLst>
-          </p:cNvPr>
-          <p:cNvSpPr>
-            <a:spLocks noGrp="1"/>
-          </p:cNvSpPr>
-          <p:nvPr>
-            <p:ph type="title"/>
-          </p:nvPr>
-        </p:nvSpPr>
-        <p:spPr/>
-        <p:txBody>
-          <a:bodyPr/>
-          <a:lstStyle/>
-          <a:p>
-            <a:endParaRPr lang="en-US" dirty="0"/>
-          </a:p>
-        </p:txBody>
-      </p:sp>
-      <p:sp>
-        <p:nvSpPr>
-          <p:cNvPr id="4" name="Slide Number Placeholder 3">
-            <a:extLst>
-              <a:ext uri="{FF2B5EF4-FFF2-40B4-BE49-F238E27FC236}">
-                <a16:creationId xmlns:a16="http://schemas.microsoft.com/office/drawing/2014/main" id="{3396256B-8468-4E2A-9927-BFFA1783A38E}"/>
-              </a:ext>
-            </a:extLst>
-          </p:cNvPr>
-          <p:cNvSpPr>
-            <a:spLocks noGrp="1"/>
-          </p:cNvSpPr>
-          <p:nvPr>
-            <p:ph type="sldNum" sz="quarter" idx="12"/>
-          </p:nvPr>
-        </p:nvSpPr>
-        <p:spPr/>
-        <p:txBody>
-          <a:bodyPr/>
-          <a:lstStyle/>
-          <a:p>
-            <a:fld id="{77CA4D1D-E6E4-4EC4-ABEB-5E9BD905FA32}" type="slidenum">
-              <a:rPr lang="en-US" smtClean="0"/>
-              <a:t>16</a:t>
-            </a:fld>
-            <a:endParaRPr lang="en-US" dirty="0"/>
-          </a:p>
-        </p:txBody>
-      </p:sp>
-      <p:sp>
-        <p:nvSpPr>
-          <p:cNvPr id="5" name="Oval 4">
-            <a:extLst>
-              <a:ext uri="{FF2B5EF4-FFF2-40B4-BE49-F238E27FC236}">
-                <a16:creationId xmlns:a16="http://schemas.microsoft.com/office/drawing/2014/main" id="{54951EAD-DFDC-452B-9EC3-4FA9A5D057BB}"/>
-              </a:ext>
-            </a:extLst>
-          </p:cNvPr>
-          <p:cNvSpPr/>
-          <p:nvPr/>
-        </p:nvSpPr>
-        <p:spPr>
-          <a:xfrm>
-            <a:off x="4354130" y="2397965"/>
-            <a:ext cx="2892490" cy="3041779"/>
-          </a:xfrm>
-          <a:prstGeom prst="ellipse">
-            <a:avLst/>
-          </a:prstGeom>
-          <a:solidFill>
-            <a:schemeClr val="bg1"/>
-          </a:solidFill>
-          <a:ln>
-            <a:solidFill>
-              <a:schemeClr val="tx1"/>
-            </a:solidFill>
-          </a:ln>
-        </p:spPr>
-        <p:style>
-          <a:lnRef idx="2">
-            <a:schemeClr val="accent1">
-              <a:shade val="50000"/>
-            </a:schemeClr>
-          </a:lnRef>
-          <a:fillRef idx="1">
-            <a:schemeClr val="accent1"/>
-          </a:fillRef>
-          <a:effectRef idx="0">
-            <a:schemeClr val="accent1"/>
-          </a:effectRef>
-          <a:fontRef idx="minor">
-            <a:schemeClr val="lt1"/>
-          </a:fontRef>
-        </p:style>
-        <p:txBody>
-          <a:bodyPr rtlCol="0" anchor="ctr"/>
-          <a:lstStyle/>
-          <a:p>
-            <a:pPr algn="ctr"/>
-            <a:endParaRPr lang="en-US"/>
-          </a:p>
-        </p:txBody>
-      </p:sp>
-      <p:cxnSp>
-        <p:nvCxnSpPr>
-          <p:cNvPr id="7" name="Straight Connector 6">
-            <a:extLst>
-              <a:ext uri="{FF2B5EF4-FFF2-40B4-BE49-F238E27FC236}">
-                <a16:creationId xmlns:a16="http://schemas.microsoft.com/office/drawing/2014/main" id="{DA30EC42-8AB3-4EB1-8C05-82CDBD985D5E}"/>
-              </a:ext>
-            </a:extLst>
-          </p:cNvPr>
-          <p:cNvCxnSpPr>
-            <a:cxnSpLocks/>
-          </p:cNvCxnSpPr>
-          <p:nvPr/>
-        </p:nvCxnSpPr>
-        <p:spPr>
-          <a:xfrm>
-            <a:off x="3881535" y="3918857"/>
-            <a:ext cx="6214187" cy="0"/>
-          </a:xfrm>
-          <a:prstGeom prst="line">
-            <a:avLst/>
-          </a:prstGeom>
-          <a:ln w="12700" cap="flat" cmpd="sng" algn="ctr">
-            <a:solidFill>
-              <a:schemeClr val="tx1"/>
-            </a:solidFill>
-            <a:prstDash val="dash"/>
-            <a:round/>
-            <a:headEnd type="none" w="med" len="med"/>
-            <a:tailEnd type="none" w="med" len="med"/>
-          </a:ln>
-        </p:spPr>
-        <p:style>
-          <a:lnRef idx="0">
-            <a:scrgbClr r="0" g="0" b="0"/>
-          </a:lnRef>
-          <a:fillRef idx="0">
-            <a:scrgbClr r="0" g="0" b="0"/>
-          </a:fillRef>
-          <a:effectRef idx="0">
-            <a:scrgbClr r="0" g="0" b="0"/>
-          </a:effectRef>
-          <a:fontRef idx="minor">
-            <a:schemeClr val="tx1"/>
-          </a:fontRef>
-        </p:style>
-      </p:cxnSp>
-      <p:sp>
-        <p:nvSpPr>
-          <p:cNvPr id="10" name="Oval 9">
-            <a:extLst>
-              <a:ext uri="{FF2B5EF4-FFF2-40B4-BE49-F238E27FC236}">
-                <a16:creationId xmlns:a16="http://schemas.microsoft.com/office/drawing/2014/main" id="{3CC43818-D3C9-4FC4-96ED-F5703C5A4F50}"/>
-              </a:ext>
-            </a:extLst>
-          </p:cNvPr>
-          <p:cNvSpPr/>
-          <p:nvPr/>
-        </p:nvSpPr>
-        <p:spPr>
-          <a:xfrm>
-            <a:off x="5777516" y="3895997"/>
-            <a:ext cx="45719" cy="45719"/>
-          </a:xfrm>
-          <a:prstGeom prst="ellipse">
-            <a:avLst/>
-          </a:prstGeom>
-        </p:spPr>
-        <p:style>
-          <a:lnRef idx="2">
-            <a:schemeClr val="accent1">
-              <a:shade val="50000"/>
-            </a:schemeClr>
-          </a:lnRef>
-          <a:fillRef idx="1">
-            <a:schemeClr val="accent1"/>
-          </a:fillRef>
-          <a:effectRef idx="0">
-            <a:schemeClr val="accent1"/>
-          </a:effectRef>
-          <a:fontRef idx="minor">
-            <a:schemeClr val="lt1"/>
-          </a:fontRef>
-        </p:style>
-        <p:txBody>
-          <a:bodyPr rtlCol="0" anchor="ctr"/>
-          <a:lstStyle/>
-          <a:p>
-            <a:pPr algn="ctr"/>
-            <a:endParaRPr lang="en-US"/>
-          </a:p>
-        </p:txBody>
-      </p:sp>
-      <p:sp>
-        <p:nvSpPr>
-          <p:cNvPr id="11" name="Oval 10">
-            <a:extLst>
-              <a:ext uri="{FF2B5EF4-FFF2-40B4-BE49-F238E27FC236}">
-                <a16:creationId xmlns:a16="http://schemas.microsoft.com/office/drawing/2014/main" id="{77EB3636-46C4-4122-B5D6-AFB99DCAE7D7}"/>
-              </a:ext>
-            </a:extLst>
-          </p:cNvPr>
-          <p:cNvSpPr/>
-          <p:nvPr/>
-        </p:nvSpPr>
-        <p:spPr>
-          <a:xfrm>
-            <a:off x="6788953" y="3895996"/>
-            <a:ext cx="45719" cy="45719"/>
-          </a:xfrm>
-          <a:prstGeom prst="ellipse">
-            <a:avLst/>
-          </a:prstGeom>
-          <a:solidFill>
-            <a:srgbClr val="00B050"/>
-          </a:solidFill>
-          <a:ln>
-            <a:solidFill>
-              <a:srgbClr val="00B050"/>
-            </a:solidFill>
-          </a:ln>
-        </p:spPr>
-        <p:style>
-          <a:lnRef idx="2">
-            <a:schemeClr val="accent1">
-              <a:shade val="50000"/>
-            </a:schemeClr>
-          </a:lnRef>
-          <a:fillRef idx="1">
-            <a:schemeClr val="accent1"/>
-          </a:fillRef>
-          <a:effectRef idx="0">
-            <a:schemeClr val="accent1"/>
-          </a:effectRef>
-          <a:fontRef idx="minor">
-            <a:schemeClr val="lt1"/>
-          </a:fontRef>
-        </p:style>
-        <p:txBody>
-          <a:bodyPr rtlCol="0" anchor="ctr"/>
-          <a:lstStyle/>
-          <a:p>
-            <a:pPr algn="ctr"/>
-            <a:endParaRPr lang="en-US"/>
-          </a:p>
-        </p:txBody>
-      </p:sp>
-      <p:sp>
-        <p:nvSpPr>
-          <p:cNvPr id="12" name="Oval 11">
-            <a:extLst>
-              <a:ext uri="{FF2B5EF4-FFF2-40B4-BE49-F238E27FC236}">
-                <a16:creationId xmlns:a16="http://schemas.microsoft.com/office/drawing/2014/main" id="{055C33B9-4199-4B0B-A6E6-240010104194}"/>
-              </a:ext>
-            </a:extLst>
-          </p:cNvPr>
-          <p:cNvSpPr/>
-          <p:nvPr/>
-        </p:nvSpPr>
-        <p:spPr>
-          <a:xfrm>
-            <a:off x="4766079" y="3895996"/>
-            <a:ext cx="45719" cy="45719"/>
-          </a:xfrm>
-          <a:prstGeom prst="ellipse">
-            <a:avLst/>
-          </a:prstGeom>
-          <a:solidFill>
-            <a:srgbClr val="00B050"/>
-          </a:solidFill>
-          <a:ln>
-            <a:solidFill>
-              <a:srgbClr val="00B050"/>
-            </a:solidFill>
-          </a:ln>
-        </p:spPr>
-        <p:style>
-          <a:lnRef idx="2">
-            <a:schemeClr val="accent1">
-              <a:shade val="50000"/>
-            </a:schemeClr>
-          </a:lnRef>
-          <a:fillRef idx="1">
-            <a:schemeClr val="accent1"/>
-          </a:fillRef>
-          <a:effectRef idx="0">
-            <a:schemeClr val="accent1"/>
-          </a:effectRef>
-          <a:fontRef idx="minor">
-            <a:schemeClr val="lt1"/>
-          </a:fontRef>
-        </p:style>
-        <p:txBody>
-          <a:bodyPr rtlCol="0" anchor="ctr"/>
-          <a:lstStyle/>
-          <a:p>
-            <a:pPr algn="ctr"/>
-            <a:endParaRPr lang="en-US"/>
-          </a:p>
-        </p:txBody>
-      </p:sp>
-      <p:cxnSp>
-        <p:nvCxnSpPr>
-          <p:cNvPr id="14" name="Straight Connector 13">
-            <a:extLst>
-              <a:ext uri="{FF2B5EF4-FFF2-40B4-BE49-F238E27FC236}">
-                <a16:creationId xmlns:a16="http://schemas.microsoft.com/office/drawing/2014/main" id="{0CD65C32-4B70-4D65-A4A8-18BDF2E25816}"/>
-              </a:ext>
-            </a:extLst>
-          </p:cNvPr>
-          <p:cNvCxnSpPr>
-            <a:stCxn id="5" idx="0"/>
-            <a:endCxn id="5" idx="4"/>
-          </p:cNvCxnSpPr>
-          <p:nvPr/>
-        </p:nvCxnSpPr>
-        <p:spPr>
-          <a:xfrm>
-            <a:off x="5800375" y="2397965"/>
-            <a:ext cx="0" cy="3041779"/>
-          </a:xfrm>
-          <a:prstGeom prst="line">
-            <a:avLst/>
-          </a:prstGeom>
-          <a:ln w="9525" cap="flat" cmpd="sng" algn="ctr">
-            <a:solidFill>
-              <a:schemeClr val="accent1"/>
-            </a:solidFill>
-            <a:prstDash val="dash"/>
-            <a:round/>
-            <a:headEnd type="none" w="med" len="med"/>
-            <a:tailEnd type="none" w="med" len="med"/>
-          </a:ln>
-        </p:spPr>
-        <p:style>
-          <a:lnRef idx="0">
-            <a:scrgbClr r="0" g="0" b="0"/>
-          </a:lnRef>
-          <a:fillRef idx="0">
-            <a:scrgbClr r="0" g="0" b="0"/>
-          </a:fillRef>
-          <a:effectRef idx="0">
-            <a:scrgbClr r="0" g="0" b="0"/>
-          </a:effectRef>
-          <a:fontRef idx="minor">
-            <a:schemeClr val="tx1"/>
-          </a:fontRef>
-        </p:style>
-      </p:cxnSp>
-      <p:cxnSp>
-        <p:nvCxnSpPr>
-          <p:cNvPr id="21" name="Straight Connector 20">
-            <a:extLst>
-              <a:ext uri="{FF2B5EF4-FFF2-40B4-BE49-F238E27FC236}">
-                <a16:creationId xmlns:a16="http://schemas.microsoft.com/office/drawing/2014/main" id="{4BFAF5CA-B254-436D-A73B-6A9518F0998A}"/>
-              </a:ext>
-            </a:extLst>
-          </p:cNvPr>
-          <p:cNvCxnSpPr>
-            <a:cxnSpLocks/>
-          </p:cNvCxnSpPr>
-          <p:nvPr/>
-        </p:nvCxnSpPr>
-        <p:spPr>
-          <a:xfrm>
-            <a:off x="4786077" y="3059970"/>
-            <a:ext cx="22859" cy="1670650"/>
-          </a:xfrm>
-          <a:prstGeom prst="line">
-            <a:avLst/>
-          </a:prstGeom>
-          <a:ln w="9525" cap="flat" cmpd="sng" algn="ctr">
-            <a:solidFill>
-              <a:schemeClr val="accent1"/>
-            </a:solidFill>
-            <a:prstDash val="dash"/>
-            <a:round/>
-            <a:headEnd type="none" w="med" len="med"/>
-            <a:tailEnd type="none" w="med" len="med"/>
-          </a:ln>
-        </p:spPr>
-        <p:style>
-          <a:lnRef idx="0">
-            <a:scrgbClr r="0" g="0" b="0"/>
-          </a:lnRef>
-          <a:fillRef idx="0">
-            <a:scrgbClr r="0" g="0" b="0"/>
-          </a:fillRef>
-          <a:effectRef idx="0">
-            <a:scrgbClr r="0" g="0" b="0"/>
-          </a:effectRef>
-          <a:fontRef idx="minor">
-            <a:schemeClr val="tx1"/>
-          </a:fontRef>
-        </p:style>
-      </p:cxnSp>
-      <p:cxnSp>
-        <p:nvCxnSpPr>
-          <p:cNvPr id="24" name="Straight Connector 23">
-            <a:extLst>
-              <a:ext uri="{FF2B5EF4-FFF2-40B4-BE49-F238E27FC236}">
-                <a16:creationId xmlns:a16="http://schemas.microsoft.com/office/drawing/2014/main" id="{6627E5AE-0519-4EF7-820F-EECC30DB8D50}"/>
-              </a:ext>
-            </a:extLst>
-          </p:cNvPr>
-          <p:cNvCxnSpPr>
-            <a:cxnSpLocks/>
-          </p:cNvCxnSpPr>
-          <p:nvPr/>
-        </p:nvCxnSpPr>
-        <p:spPr>
-          <a:xfrm>
-            <a:off x="6806098" y="3429000"/>
-            <a:ext cx="8572" cy="706258"/>
-          </a:xfrm>
-          <a:prstGeom prst="line">
-            <a:avLst/>
-          </a:prstGeom>
-          <a:ln w="9525" cap="flat" cmpd="sng" algn="ctr">
-            <a:solidFill>
-              <a:schemeClr val="accent1"/>
-            </a:solidFill>
-            <a:prstDash val="dash"/>
-            <a:round/>
-            <a:headEnd type="none" w="med" len="med"/>
-            <a:tailEnd type="none" w="med" len="med"/>
-          </a:ln>
-        </p:spPr>
-        <p:style>
-          <a:lnRef idx="0">
-            <a:scrgbClr r="0" g="0" b="0"/>
-          </a:lnRef>
-          <a:fillRef idx="0">
-            <a:scrgbClr r="0" g="0" b="0"/>
-          </a:fillRef>
-          <a:effectRef idx="0">
-            <a:scrgbClr r="0" g="0" b="0"/>
-          </a:effectRef>
-          <a:fontRef idx="minor">
-            <a:schemeClr val="tx1"/>
-          </a:fontRef>
-        </p:style>
-      </p:cxnSp>
-      <p:sp>
-        <p:nvSpPr>
-          <p:cNvPr id="25" name="Oval 24">
-            <a:extLst>
-              <a:ext uri="{FF2B5EF4-FFF2-40B4-BE49-F238E27FC236}">
-                <a16:creationId xmlns:a16="http://schemas.microsoft.com/office/drawing/2014/main" id="{DF300ECB-4FF8-4158-94D6-F67C54702442}"/>
-              </a:ext>
-            </a:extLst>
-          </p:cNvPr>
-          <p:cNvSpPr/>
-          <p:nvPr/>
-        </p:nvSpPr>
-        <p:spPr>
-          <a:xfrm>
-            <a:off x="9172350" y="3895994"/>
-            <a:ext cx="45719" cy="45719"/>
-          </a:xfrm>
-          <a:prstGeom prst="ellipse">
-            <a:avLst/>
-          </a:prstGeom>
-          <a:solidFill>
-            <a:srgbClr val="FF0000"/>
-          </a:solidFill>
-          <a:ln>
-            <a:solidFill>
-              <a:srgbClr val="FF0000"/>
-            </a:solidFill>
-          </a:ln>
-        </p:spPr>
-        <p:style>
-          <a:lnRef idx="2">
-            <a:schemeClr val="accent1">
-              <a:shade val="50000"/>
-            </a:schemeClr>
-          </a:lnRef>
-          <a:fillRef idx="1">
-            <a:schemeClr val="accent1"/>
-          </a:fillRef>
-          <a:effectRef idx="0">
-            <a:schemeClr val="accent1"/>
-          </a:effectRef>
-          <a:fontRef idx="minor">
-            <a:schemeClr val="lt1"/>
-          </a:fontRef>
-        </p:style>
-        <p:txBody>
-          <a:bodyPr rtlCol="0" anchor="ctr"/>
-          <a:lstStyle/>
-          <a:p>
-            <a:pPr algn="ctr"/>
-            <a:endParaRPr lang="en-US"/>
-          </a:p>
-        </p:txBody>
-      </p:sp>
-      <p:cxnSp>
-        <p:nvCxnSpPr>
-          <p:cNvPr id="27" name="Straight Arrow Connector 26">
-            <a:extLst>
-              <a:ext uri="{FF2B5EF4-FFF2-40B4-BE49-F238E27FC236}">
-                <a16:creationId xmlns:a16="http://schemas.microsoft.com/office/drawing/2014/main" id="{2E877F63-1C7B-44B0-B93A-6011A9426A37}"/>
-              </a:ext>
-            </a:extLst>
-          </p:cNvPr>
-          <p:cNvCxnSpPr>
-            <a:cxnSpLocks/>
-          </p:cNvCxnSpPr>
-          <p:nvPr/>
-        </p:nvCxnSpPr>
-        <p:spPr>
-          <a:xfrm>
-            <a:off x="5823235" y="3694922"/>
-            <a:ext cx="988577" cy="0"/>
-          </a:xfrm>
-          <a:prstGeom prst="straightConnector1">
-            <a:avLst/>
-          </a:prstGeom>
-          <a:ln>
-            <a:solidFill>
-              <a:srgbClr val="00B050"/>
-            </a:solidFill>
-            <a:headEnd type="triangle"/>
-            <a:tailEnd type="triangle"/>
-          </a:ln>
-        </p:spPr>
-        <p:style>
-          <a:lnRef idx="1">
-            <a:schemeClr val="accent1"/>
-          </a:lnRef>
-          <a:fillRef idx="0">
-            <a:schemeClr val="accent1"/>
-          </a:fillRef>
-          <a:effectRef idx="0">
-            <a:schemeClr val="accent1"/>
-          </a:effectRef>
-          <a:fontRef idx="minor">
-            <a:schemeClr val="tx1"/>
-          </a:fontRef>
-        </p:style>
-      </p:cxnSp>
-      <p:cxnSp>
-        <p:nvCxnSpPr>
-          <p:cNvPr id="32" name="Straight Connector 31">
-            <a:extLst>
-              <a:ext uri="{FF2B5EF4-FFF2-40B4-BE49-F238E27FC236}">
-                <a16:creationId xmlns:a16="http://schemas.microsoft.com/office/drawing/2014/main" id="{57A9FD1D-819F-41F7-A7C4-E7B6AA75668C}"/>
-              </a:ext>
-            </a:extLst>
-          </p:cNvPr>
-          <p:cNvCxnSpPr>
-            <a:cxnSpLocks/>
-          </p:cNvCxnSpPr>
-          <p:nvPr/>
-        </p:nvCxnSpPr>
-        <p:spPr>
-          <a:xfrm>
-            <a:off x="9183779" y="3059970"/>
-            <a:ext cx="22859" cy="1763486"/>
-          </a:xfrm>
-          <a:prstGeom prst="line">
-            <a:avLst/>
-          </a:prstGeom>
-          <a:ln w="9525" cap="flat" cmpd="sng" algn="ctr">
-            <a:solidFill>
-              <a:schemeClr val="accent1"/>
-            </a:solidFill>
-            <a:prstDash val="dash"/>
-            <a:round/>
-            <a:headEnd type="none" w="med" len="med"/>
-            <a:tailEnd type="none" w="med" len="med"/>
-          </a:ln>
-        </p:spPr>
-        <p:style>
-          <a:lnRef idx="0">
-            <a:scrgbClr r="0" g="0" b="0"/>
-          </a:lnRef>
-          <a:fillRef idx="0">
-            <a:scrgbClr r="0" g="0" b="0"/>
-          </a:fillRef>
-          <a:effectRef idx="0">
-            <a:scrgbClr r="0" g="0" b="0"/>
-          </a:effectRef>
-          <a:fontRef idx="minor">
-            <a:schemeClr val="tx1"/>
-          </a:fontRef>
-        </p:style>
-      </p:cxnSp>
-      <p:cxnSp>
-        <p:nvCxnSpPr>
-          <p:cNvPr id="43" name="Straight Arrow Connector 42">
-            <a:extLst>
-              <a:ext uri="{FF2B5EF4-FFF2-40B4-BE49-F238E27FC236}">
-                <a16:creationId xmlns:a16="http://schemas.microsoft.com/office/drawing/2014/main" id="{08AD2C06-B88F-4F0C-889E-F913E6CCA93A}"/>
-              </a:ext>
-            </a:extLst>
-          </p:cNvPr>
-          <p:cNvCxnSpPr/>
-          <p:nvPr/>
-        </p:nvCxnSpPr>
-        <p:spPr>
-          <a:xfrm>
-            <a:off x="6806098" y="3694922"/>
-            <a:ext cx="2411971" cy="0"/>
-          </a:xfrm>
-          <a:prstGeom prst="straightConnector1">
-            <a:avLst/>
-          </a:prstGeom>
-          <a:ln>
-            <a:headEnd type="triangle"/>
-            <a:tailEnd type="triangle"/>
-          </a:ln>
-        </p:spPr>
-        <p:style>
-          <a:lnRef idx="1">
-            <a:schemeClr val="accent1"/>
-          </a:lnRef>
-          <a:fillRef idx="0">
-            <a:schemeClr val="accent1"/>
-          </a:fillRef>
-          <a:effectRef idx="0">
-            <a:schemeClr val="accent1"/>
-          </a:effectRef>
-          <a:fontRef idx="minor">
-            <a:schemeClr val="tx1"/>
-          </a:fontRef>
-        </p:style>
-      </p:cxnSp>
-      <p:cxnSp>
-        <p:nvCxnSpPr>
-          <p:cNvPr id="45" name="Straight Arrow Connector 44">
-            <a:extLst>
-              <a:ext uri="{FF2B5EF4-FFF2-40B4-BE49-F238E27FC236}">
-                <a16:creationId xmlns:a16="http://schemas.microsoft.com/office/drawing/2014/main" id="{500485D0-3BAF-4F33-9349-89716FDF006D}"/>
-              </a:ext>
-            </a:extLst>
-          </p:cNvPr>
-          <p:cNvCxnSpPr/>
-          <p:nvPr/>
-        </p:nvCxnSpPr>
-        <p:spPr>
-          <a:xfrm>
-            <a:off x="5800375" y="4273420"/>
-            <a:ext cx="3394833" cy="0"/>
-          </a:xfrm>
-          <a:prstGeom prst="straightConnector1">
-            <a:avLst/>
-          </a:prstGeom>
-          <a:ln>
-            <a:solidFill>
-              <a:srgbClr val="FF0000"/>
-            </a:solidFill>
-            <a:headEnd type="triangle"/>
-            <a:tailEnd type="triangle"/>
-          </a:ln>
-        </p:spPr>
-        <p:style>
-          <a:lnRef idx="1">
-            <a:schemeClr val="accent1"/>
-          </a:lnRef>
-          <a:fillRef idx="0">
-            <a:schemeClr val="accent1"/>
-          </a:fillRef>
-          <a:effectRef idx="0">
-            <a:schemeClr val="accent1"/>
-          </a:effectRef>
-          <a:fontRef idx="minor">
-            <a:schemeClr val="tx1"/>
-          </a:fontRef>
-        </p:style>
-      </p:cxnSp>
-      <p:cxnSp>
-        <p:nvCxnSpPr>
-          <p:cNvPr id="47" name="Straight Arrow Connector 46">
-            <a:extLst>
-              <a:ext uri="{FF2B5EF4-FFF2-40B4-BE49-F238E27FC236}">
-                <a16:creationId xmlns:a16="http://schemas.microsoft.com/office/drawing/2014/main" id="{41D2AC13-4067-4F31-A2AA-43866E2DAE9E}"/>
-              </a:ext>
-            </a:extLst>
-          </p:cNvPr>
-          <p:cNvCxnSpPr/>
-          <p:nvPr/>
-        </p:nvCxnSpPr>
-        <p:spPr>
-          <a:xfrm>
-            <a:off x="4797506" y="4711958"/>
-            <a:ext cx="4397702" cy="0"/>
-          </a:xfrm>
-          <a:prstGeom prst="straightConnector1">
-            <a:avLst/>
-          </a:prstGeom>
-          <a:ln>
-            <a:headEnd type="triangle"/>
-            <a:tailEnd type="triangle"/>
-          </a:ln>
-        </p:spPr>
-        <p:style>
-          <a:lnRef idx="1">
-            <a:schemeClr val="accent1"/>
-          </a:lnRef>
-          <a:fillRef idx="0">
-            <a:schemeClr val="accent1"/>
-          </a:fillRef>
-          <a:effectRef idx="0">
-            <a:schemeClr val="accent1"/>
-          </a:effectRef>
-          <a:fontRef idx="minor">
-            <a:schemeClr val="tx1"/>
-          </a:fontRef>
-        </p:style>
-      </p:cxnSp>
-      <mc:AlternateContent xmlns:mc="http://schemas.openxmlformats.org/markup-compatibility/2006" xmlns:a14="http://schemas.microsoft.com/office/drawing/2010/main">
-        <mc:Choice Requires="a14">
-          <p:sp>
-            <p:nvSpPr>
-              <p:cNvPr id="50" name="TextBox 49">
-                <a:extLst>
-                  <a:ext uri="{FF2B5EF4-FFF2-40B4-BE49-F238E27FC236}">
-                    <a16:creationId xmlns:a16="http://schemas.microsoft.com/office/drawing/2014/main" id="{3E447F9D-7232-4E17-9947-0205C48B2FA1}"/>
-                  </a:ext>
-                </a:extLst>
-              </p:cNvPr>
-              <p:cNvSpPr txBox="1"/>
-              <p:nvPr/>
-            </p:nvSpPr>
-            <p:spPr>
-              <a:xfrm>
-                <a:off x="6123432" y="3347974"/>
-                <a:ext cx="435429" cy="338554"/>
-              </a:xfrm>
-              <a:prstGeom prst="rect">
-                <a:avLst/>
-              </a:prstGeom>
-              <a:noFill/>
-            </p:spPr>
-            <p:txBody>
-              <a:bodyPr wrap="square" rtlCol="0">
-                <a:spAutoFit/>
-              </a:bodyPr>
-              <a:lstStyle/>
-              <a:p>
-                <a:pPr algn="ctr"/>
-                <a14:m>
-                  <m:oMathPara xmlns:m="http://schemas.openxmlformats.org/officeDocument/2006/math">
-                    <m:oMathParaPr>
-                      <m:jc m:val="centerGroup"/>
-                    </m:oMathParaPr>
-                    <m:oMath xmlns:m="http://schemas.openxmlformats.org/officeDocument/2006/math">
-                      <m:r>
-                        <a:rPr lang="en-US" sz="1600" b="0" i="1" smtClean="0">
-                          <a:solidFill>
-                            <a:srgbClr val="00B050"/>
-                          </a:solidFill>
-                          <a:latin typeface="Cambria Math" panose="02040503050406030204" pitchFamily="18" charset="0"/>
-                        </a:rPr>
-                        <m:t>𝑑</m:t>
-                      </m:r>
-                    </m:oMath>
-                  </m:oMathPara>
-                </a14:m>
-                <a:endParaRPr lang="en-US" sz="1600" dirty="0">
-                  <a:solidFill>
-                    <a:srgbClr val="00B050"/>
-                  </a:solidFill>
-                </a:endParaRPr>
-              </a:p>
-            </p:txBody>
-          </p:sp>
-        </mc:Choice>
-        <mc:Fallback xmlns="">
-          <p:sp>
-            <p:nvSpPr>
-              <p:cNvPr id="50" name="TextBox 49">
-                <a:extLst>
-                  <a:ext uri="{FF2B5EF4-FFF2-40B4-BE49-F238E27FC236}">
-                    <a16:creationId xmlns:a16="http://schemas.microsoft.com/office/drawing/2014/main" id="{3E447F9D-7232-4E17-9947-0205C48B2FA1}"/>
-                  </a:ext>
-                </a:extLst>
-              </p:cNvPr>
-              <p:cNvSpPr txBox="1">
-                <a:spLocks noRot="1" noChangeAspect="1" noMove="1" noResize="1" noEditPoints="1" noAdjustHandles="1" noChangeArrowheads="1" noChangeShapeType="1" noTextEdit="1"/>
-              </p:cNvSpPr>
-              <p:nvPr/>
-            </p:nvSpPr>
-            <p:spPr>
-              <a:xfrm>
-                <a:off x="6123432" y="3347974"/>
-                <a:ext cx="435429" cy="338554"/>
-              </a:xfrm>
-              <a:prstGeom prst="rect">
-                <a:avLst/>
-              </a:prstGeom>
-              <a:blipFill>
-                <a:blip r:embed="rId2"/>
-                <a:stretch>
-                  <a:fillRect/>
-                </a:stretch>
-              </a:blipFill>
-            </p:spPr>
-            <p:txBody>
-              <a:bodyPr/>
-              <a:lstStyle/>
-              <a:p>
-                <a:r>
-                  <a:rPr lang="en-US">
-                    <a:noFill/>
-                  </a:rPr>
-                  <a:t> </a:t>
-                </a:r>
-              </a:p>
-            </p:txBody>
-          </p:sp>
-        </mc:Fallback>
-      </mc:AlternateContent>
-      <mc:AlternateContent xmlns:mc="http://schemas.openxmlformats.org/markup-compatibility/2006" xmlns:a14="http://schemas.microsoft.com/office/drawing/2010/main">
-        <mc:Choice Requires="a14">
-          <p:sp>
-            <p:nvSpPr>
-              <p:cNvPr id="52" name="TextBox 51">
-                <a:extLst>
-                  <a:ext uri="{FF2B5EF4-FFF2-40B4-BE49-F238E27FC236}">
-                    <a16:creationId xmlns:a16="http://schemas.microsoft.com/office/drawing/2014/main" id="{1E31CA73-B1AE-46B1-B1E4-ED6004AF4E67}"/>
-                  </a:ext>
-                </a:extLst>
-              </p:cNvPr>
-              <p:cNvSpPr txBox="1"/>
-              <p:nvPr/>
-            </p:nvSpPr>
-            <p:spPr>
-              <a:xfrm>
-                <a:off x="7474639" y="3364459"/>
-                <a:ext cx="1074888" cy="338554"/>
-              </a:xfrm>
-              <a:prstGeom prst="rect">
-                <a:avLst/>
-              </a:prstGeom>
-              <a:noFill/>
-            </p:spPr>
-            <p:txBody>
-              <a:bodyPr wrap="square" rtlCol="0">
-                <a:spAutoFit/>
-              </a:bodyPr>
-              <a:lstStyle/>
-              <a:p>
-                <a:pPr/>
-                <a14:m>
-                  <m:oMathPara xmlns:m="http://schemas.openxmlformats.org/officeDocument/2006/math">
-                    <m:oMathParaPr>
-                      <m:jc m:val="centerGroup"/>
-                    </m:oMathParaPr>
-                    <m:oMath xmlns:m="http://schemas.openxmlformats.org/officeDocument/2006/math">
-                      <m:sSub>
-                        <m:sSubPr>
-                          <m:ctrlPr>
-                            <a:rPr lang="en-US" sz="1600" b="0" i="1" smtClean="0">
-                              <a:solidFill>
-                                <a:schemeClr val="accent1"/>
-                              </a:solidFill>
-                              <a:latin typeface="Cambria Math" panose="02040503050406030204" pitchFamily="18" charset="0"/>
-                            </a:rPr>
-                          </m:ctrlPr>
-                        </m:sSubPr>
-                        <m:e>
-                          <m:r>
-                            <a:rPr lang="en-US" sz="1600" b="0" i="1" smtClean="0">
-                              <a:solidFill>
-                                <a:schemeClr val="accent1"/>
-                              </a:solidFill>
-                              <a:latin typeface="Cambria Math" panose="02040503050406030204" pitchFamily="18" charset="0"/>
-                            </a:rPr>
-                            <m:t>𝑟</m:t>
-                          </m:r>
-                        </m:e>
-                        <m:sub>
-                          <m:r>
-                            <a:rPr lang="en-US" sz="1600" b="0" i="1" smtClean="0">
-                              <a:solidFill>
-                                <a:schemeClr val="accent1"/>
-                              </a:solidFill>
-                              <a:latin typeface="Cambria Math" panose="02040503050406030204" pitchFamily="18" charset="0"/>
-                            </a:rPr>
-                            <m:t>𝑆𝑀𝐴</m:t>
-                          </m:r>
-                          <m:r>
-                            <a:rPr lang="en-US" sz="1600" b="0" i="1" smtClean="0">
-                              <a:solidFill>
-                                <a:schemeClr val="accent1"/>
-                              </a:solidFill>
-                              <a:latin typeface="Cambria Math" panose="02040503050406030204" pitchFamily="18" charset="0"/>
-                            </a:rPr>
-                            <m:t>1</m:t>
-                          </m:r>
-                        </m:sub>
-                      </m:sSub>
-                    </m:oMath>
-                  </m:oMathPara>
-                </a14:m>
-                <a:endParaRPr lang="en-US" sz="1600" dirty="0"/>
-              </a:p>
-            </p:txBody>
-          </p:sp>
-        </mc:Choice>
-        <mc:Fallback xmlns="">
-          <p:sp>
-            <p:nvSpPr>
-              <p:cNvPr id="52" name="TextBox 51">
-                <a:extLst>
-                  <a:ext uri="{FF2B5EF4-FFF2-40B4-BE49-F238E27FC236}">
-                    <a16:creationId xmlns:a16="http://schemas.microsoft.com/office/drawing/2014/main" id="{1E31CA73-B1AE-46B1-B1E4-ED6004AF4E67}"/>
-                  </a:ext>
-                </a:extLst>
-              </p:cNvPr>
-              <p:cNvSpPr txBox="1">
-                <a:spLocks noRot="1" noChangeAspect="1" noMove="1" noResize="1" noEditPoints="1" noAdjustHandles="1" noChangeArrowheads="1" noChangeShapeType="1" noTextEdit="1"/>
-              </p:cNvSpPr>
-              <p:nvPr/>
-            </p:nvSpPr>
-            <p:spPr>
-              <a:xfrm>
-                <a:off x="7474639" y="3364459"/>
-                <a:ext cx="1074888" cy="338554"/>
-              </a:xfrm>
-              <a:prstGeom prst="rect">
-                <a:avLst/>
-              </a:prstGeom>
-              <a:blipFill>
-                <a:blip r:embed="rId3"/>
-                <a:stretch>
-                  <a:fillRect/>
-                </a:stretch>
-              </a:blipFill>
-            </p:spPr>
-            <p:txBody>
-              <a:bodyPr/>
-              <a:lstStyle/>
-              <a:p>
-                <a:r>
-                  <a:rPr lang="en-US">
-                    <a:noFill/>
-                  </a:rPr>
-                  <a:t> </a:t>
-                </a:r>
-              </a:p>
-            </p:txBody>
-          </p:sp>
-        </mc:Fallback>
-      </mc:AlternateContent>
-      <mc:AlternateContent xmlns:mc="http://schemas.openxmlformats.org/markup-compatibility/2006" xmlns:a14="http://schemas.microsoft.com/office/drawing/2010/main">
-        <mc:Choice Requires="a14">
-          <p:sp>
-            <p:nvSpPr>
-              <p:cNvPr id="53" name="TextBox 52">
-                <a:extLst>
-                  <a:ext uri="{FF2B5EF4-FFF2-40B4-BE49-F238E27FC236}">
-                    <a16:creationId xmlns:a16="http://schemas.microsoft.com/office/drawing/2014/main" id="{7B6F3383-7C00-4F07-97B6-59C63367F049}"/>
-                  </a:ext>
-                </a:extLst>
-              </p:cNvPr>
-              <p:cNvSpPr txBox="1"/>
-              <p:nvPr/>
-            </p:nvSpPr>
-            <p:spPr>
-              <a:xfrm>
-                <a:off x="6021417" y="4354056"/>
-                <a:ext cx="1074888" cy="338554"/>
-              </a:xfrm>
-              <a:prstGeom prst="rect">
-                <a:avLst/>
-              </a:prstGeom>
-              <a:noFill/>
-            </p:spPr>
-            <p:txBody>
-              <a:bodyPr wrap="square" rtlCol="0">
-                <a:spAutoFit/>
-              </a:bodyPr>
-              <a:lstStyle/>
-              <a:p>
-                <a:pPr/>
-                <a14:m>
-                  <m:oMathPara xmlns:m="http://schemas.openxmlformats.org/officeDocument/2006/math">
-                    <m:oMathParaPr>
-                      <m:jc m:val="centerGroup"/>
-                    </m:oMathParaPr>
-                    <m:oMath xmlns:m="http://schemas.openxmlformats.org/officeDocument/2006/math">
-                      <m:sSub>
-                        <m:sSubPr>
-                          <m:ctrlPr>
-                            <a:rPr lang="en-US" sz="1600" b="0" i="1" smtClean="0">
-                              <a:solidFill>
-                                <a:schemeClr val="accent1"/>
-                              </a:solidFill>
-                              <a:latin typeface="Cambria Math" panose="02040503050406030204" pitchFamily="18" charset="0"/>
-                            </a:rPr>
-                          </m:ctrlPr>
-                        </m:sSubPr>
-                        <m:e>
-                          <m:r>
-                            <a:rPr lang="en-US" sz="1600" b="0" i="1" smtClean="0">
-                              <a:solidFill>
-                                <a:schemeClr val="accent1"/>
-                              </a:solidFill>
-                              <a:latin typeface="Cambria Math" panose="02040503050406030204" pitchFamily="18" charset="0"/>
-                            </a:rPr>
-                            <m:t>𝑟</m:t>
-                          </m:r>
-                        </m:e>
-                        <m:sub>
-                          <m:r>
-                            <a:rPr lang="en-US" sz="1600" b="0" i="1" smtClean="0">
-                              <a:solidFill>
-                                <a:schemeClr val="accent1"/>
-                              </a:solidFill>
-                              <a:latin typeface="Cambria Math" panose="02040503050406030204" pitchFamily="18" charset="0"/>
-                            </a:rPr>
-                            <m:t>𝑆𝑀𝐴</m:t>
-                          </m:r>
-                          <m:r>
-                            <a:rPr lang="en-US" sz="1600" b="0" i="1" smtClean="0">
-                              <a:solidFill>
-                                <a:schemeClr val="accent1"/>
-                              </a:solidFill>
-                              <a:latin typeface="Cambria Math" panose="02040503050406030204" pitchFamily="18" charset="0"/>
-                            </a:rPr>
-                            <m:t>2</m:t>
-                          </m:r>
-                        </m:sub>
-                      </m:sSub>
-                    </m:oMath>
-                  </m:oMathPara>
-                </a14:m>
-                <a:endParaRPr lang="en-US" sz="1600" dirty="0"/>
-              </a:p>
-            </p:txBody>
-          </p:sp>
-        </mc:Choice>
-        <mc:Fallback xmlns="">
-          <p:sp>
-            <p:nvSpPr>
-              <p:cNvPr id="53" name="TextBox 52">
-                <a:extLst>
-                  <a:ext uri="{FF2B5EF4-FFF2-40B4-BE49-F238E27FC236}">
-                    <a16:creationId xmlns:a16="http://schemas.microsoft.com/office/drawing/2014/main" id="{7B6F3383-7C00-4F07-97B6-59C63367F049}"/>
-                  </a:ext>
-                </a:extLst>
-              </p:cNvPr>
-              <p:cNvSpPr txBox="1">
-                <a:spLocks noRot="1" noChangeAspect="1" noMove="1" noResize="1" noEditPoints="1" noAdjustHandles="1" noChangeArrowheads="1" noChangeShapeType="1" noTextEdit="1"/>
-              </p:cNvSpPr>
-              <p:nvPr/>
-            </p:nvSpPr>
-            <p:spPr>
-              <a:xfrm>
-                <a:off x="6021417" y="4354056"/>
-                <a:ext cx="1074888" cy="338554"/>
-              </a:xfrm>
-              <a:prstGeom prst="rect">
-                <a:avLst/>
-              </a:prstGeom>
-              <a:blipFill>
-                <a:blip r:embed="rId4"/>
-                <a:stretch>
-                  <a:fillRect/>
-                </a:stretch>
-              </a:blipFill>
-            </p:spPr>
-            <p:txBody>
-              <a:bodyPr/>
-              <a:lstStyle/>
-              <a:p>
-                <a:r>
-                  <a:rPr lang="en-US">
-                    <a:noFill/>
-                  </a:rPr>
-                  <a:t> </a:t>
-                </a:r>
-              </a:p>
-            </p:txBody>
-          </p:sp>
-        </mc:Fallback>
-      </mc:AlternateContent>
-      <mc:AlternateContent xmlns:mc="http://schemas.openxmlformats.org/markup-compatibility/2006" xmlns:a14="http://schemas.microsoft.com/office/drawing/2010/main">
-        <mc:Choice Requires="a14">
-          <p:sp>
-            <p:nvSpPr>
-              <p:cNvPr id="54" name="TextBox 53">
-                <a:extLst>
-                  <a:ext uri="{FF2B5EF4-FFF2-40B4-BE49-F238E27FC236}">
-                    <a16:creationId xmlns:a16="http://schemas.microsoft.com/office/drawing/2014/main" id="{1C3F625B-295D-497C-B229-1D421CC21390}"/>
-                  </a:ext>
-                </a:extLst>
-              </p:cNvPr>
-              <p:cNvSpPr txBox="1"/>
-              <p:nvPr/>
-            </p:nvSpPr>
-            <p:spPr>
-              <a:xfrm>
-                <a:off x="7101044" y="3904005"/>
-                <a:ext cx="1074888" cy="338554"/>
-              </a:xfrm>
-              <a:prstGeom prst="rect">
-                <a:avLst/>
-              </a:prstGeom>
-              <a:noFill/>
-            </p:spPr>
-            <p:txBody>
-              <a:bodyPr wrap="square" rtlCol="0">
-                <a:spAutoFit/>
-              </a:bodyPr>
-              <a:lstStyle/>
-              <a:p>
-                <a:pPr/>
-                <a14:m>
-                  <m:oMathPara xmlns:m="http://schemas.openxmlformats.org/officeDocument/2006/math">
-                    <m:oMathParaPr>
-                      <m:jc m:val="centerGroup"/>
-                    </m:oMathParaPr>
-                    <m:oMath xmlns:m="http://schemas.openxmlformats.org/officeDocument/2006/math">
-                      <m:sSub>
-                        <m:sSubPr>
-                          <m:ctrlPr>
-                            <a:rPr lang="en-US" sz="1600" b="0" i="1" smtClean="0">
-                              <a:solidFill>
-                                <a:srgbClr val="FF0000"/>
-                              </a:solidFill>
-                              <a:latin typeface="Cambria Math" panose="02040503050406030204" pitchFamily="18" charset="0"/>
-                            </a:rPr>
-                          </m:ctrlPr>
-                        </m:sSubPr>
-                        <m:e>
-                          <m:r>
-                            <a:rPr lang="en-US" sz="1600" b="0" i="1" smtClean="0">
-                              <a:solidFill>
-                                <a:srgbClr val="FF0000"/>
-                              </a:solidFill>
-                              <a:latin typeface="Cambria Math" panose="02040503050406030204" pitchFamily="18" charset="0"/>
-                            </a:rPr>
-                            <m:t>𝑟</m:t>
-                          </m:r>
-                        </m:e>
-                        <m:sub>
-                          <m:r>
-                            <a:rPr lang="en-US" sz="1600" b="0" i="1" smtClean="0">
-                              <a:solidFill>
-                                <a:srgbClr val="FF0000"/>
-                              </a:solidFill>
-                              <a:latin typeface="Cambria Math" panose="02040503050406030204" pitchFamily="18" charset="0"/>
-                            </a:rPr>
-                            <m:t>𝑁𝐹</m:t>
-                          </m:r>
-                        </m:sub>
-                      </m:sSub>
-                    </m:oMath>
-                  </m:oMathPara>
-                </a14:m>
-                <a:endParaRPr lang="en-US" sz="1600" dirty="0"/>
-              </a:p>
-            </p:txBody>
-          </p:sp>
-        </mc:Choice>
-        <mc:Fallback xmlns="">
-          <p:sp>
-            <p:nvSpPr>
-              <p:cNvPr id="54" name="TextBox 53">
-                <a:extLst>
-                  <a:ext uri="{FF2B5EF4-FFF2-40B4-BE49-F238E27FC236}">
-                    <a16:creationId xmlns:a16="http://schemas.microsoft.com/office/drawing/2014/main" id="{1C3F625B-295D-497C-B229-1D421CC21390}"/>
-                  </a:ext>
-                </a:extLst>
-              </p:cNvPr>
-              <p:cNvSpPr txBox="1">
-                <a:spLocks noRot="1" noChangeAspect="1" noMove="1" noResize="1" noEditPoints="1" noAdjustHandles="1" noChangeArrowheads="1" noChangeShapeType="1" noTextEdit="1"/>
-              </p:cNvSpPr>
-              <p:nvPr/>
-            </p:nvSpPr>
-            <p:spPr>
-              <a:xfrm>
-                <a:off x="7101044" y="3904005"/>
-                <a:ext cx="1074888" cy="338554"/>
-              </a:xfrm>
-              <a:prstGeom prst="rect">
-                <a:avLst/>
-              </a:prstGeom>
-              <a:blipFill>
-                <a:blip r:embed="rId5"/>
-                <a:stretch>
-                  <a:fillRect/>
-                </a:stretch>
-              </a:blipFill>
-            </p:spPr>
-            <p:txBody>
-              <a:bodyPr/>
-              <a:lstStyle/>
-              <a:p>
-                <a:r>
-                  <a:rPr lang="en-US">
-                    <a:noFill/>
-                  </a:rPr>
-                  <a:t> </a:t>
-                </a:r>
-              </a:p>
-            </p:txBody>
-          </p:sp>
-        </mc:Fallback>
-      </mc:AlternateContent>
-      <mc:AlternateContent xmlns:mc="http://schemas.openxmlformats.org/markup-compatibility/2006" xmlns:a14="http://schemas.microsoft.com/office/drawing/2010/main">
-        <mc:Choice Requires="a14">
-          <p:sp>
-            <p:nvSpPr>
-              <p:cNvPr id="58" name="TextBox 57">
-                <a:extLst>
-                  <a:ext uri="{FF2B5EF4-FFF2-40B4-BE49-F238E27FC236}">
-                    <a16:creationId xmlns:a16="http://schemas.microsoft.com/office/drawing/2014/main" id="{58736933-84A6-4339-AE2D-2825D889F42C}"/>
-                  </a:ext>
-                </a:extLst>
-              </p:cNvPr>
-              <p:cNvSpPr txBox="1"/>
-              <p:nvPr/>
-            </p:nvSpPr>
-            <p:spPr>
-              <a:xfrm>
-                <a:off x="6540293" y="3904005"/>
-                <a:ext cx="320737" cy="307777"/>
-              </a:xfrm>
-              <a:prstGeom prst="rect">
-                <a:avLst/>
-              </a:prstGeom>
-              <a:noFill/>
-            </p:spPr>
-            <p:txBody>
-              <a:bodyPr wrap="square" rtlCol="0">
-                <a:spAutoFit/>
-              </a:bodyPr>
-              <a:lstStyle/>
-              <a:p>
-                <a:pPr/>
-                <a14:m>
-                  <m:oMathPara xmlns:m="http://schemas.openxmlformats.org/officeDocument/2006/math">
-                    <m:oMathParaPr>
-                      <m:jc m:val="centerGroup"/>
-                    </m:oMathParaPr>
-                    <m:oMath xmlns:m="http://schemas.openxmlformats.org/officeDocument/2006/math">
-                      <m:r>
-                        <a:rPr lang="en-US" b="0" i="1" smtClean="0">
-                          <a:solidFill>
-                            <a:srgbClr val="00B050"/>
-                          </a:solidFill>
-                          <a:latin typeface="Cambria Math" panose="02040503050406030204" pitchFamily="18" charset="0"/>
-                        </a:rPr>
-                        <m:t>1</m:t>
-                      </m:r>
-                    </m:oMath>
-                  </m:oMathPara>
-                </a14:m>
-                <a:endParaRPr lang="en-US" dirty="0">
-                  <a:solidFill>
-                    <a:srgbClr val="00B050"/>
-                  </a:solidFill>
-                </a:endParaRPr>
-              </a:p>
-            </p:txBody>
-          </p:sp>
-        </mc:Choice>
-        <mc:Fallback xmlns="">
-          <p:sp>
-            <p:nvSpPr>
-              <p:cNvPr id="58" name="TextBox 57">
-                <a:extLst>
-                  <a:ext uri="{FF2B5EF4-FFF2-40B4-BE49-F238E27FC236}">
-                    <a16:creationId xmlns:a16="http://schemas.microsoft.com/office/drawing/2014/main" id="{58736933-84A6-4339-AE2D-2825D889F42C}"/>
-                  </a:ext>
-                </a:extLst>
-              </p:cNvPr>
-              <p:cNvSpPr txBox="1">
-                <a:spLocks noRot="1" noChangeAspect="1" noMove="1" noResize="1" noEditPoints="1" noAdjustHandles="1" noChangeArrowheads="1" noChangeShapeType="1" noTextEdit="1"/>
-              </p:cNvSpPr>
-              <p:nvPr/>
-            </p:nvSpPr>
-            <p:spPr>
-              <a:xfrm>
-                <a:off x="6540293" y="3904005"/>
-                <a:ext cx="320737" cy="307777"/>
-              </a:xfrm>
-              <a:prstGeom prst="rect">
-                <a:avLst/>
-              </a:prstGeom>
-              <a:blipFill>
-                <a:blip r:embed="rId6"/>
-                <a:stretch>
-                  <a:fillRect/>
-                </a:stretch>
-              </a:blipFill>
-            </p:spPr>
-            <p:txBody>
-              <a:bodyPr/>
-              <a:lstStyle/>
-              <a:p>
-                <a:r>
-                  <a:rPr lang="en-US">
-                    <a:noFill/>
-                  </a:rPr>
-                  <a:t> </a:t>
-                </a:r>
-              </a:p>
-            </p:txBody>
-          </p:sp>
-        </mc:Fallback>
-      </mc:AlternateContent>
-      <mc:AlternateContent xmlns:mc="http://schemas.openxmlformats.org/markup-compatibility/2006" xmlns:a14="http://schemas.microsoft.com/office/drawing/2010/main">
-        <mc:Choice Requires="a14">
-          <p:sp>
-            <p:nvSpPr>
-              <p:cNvPr id="59" name="TextBox 58">
-                <a:extLst>
-                  <a:ext uri="{FF2B5EF4-FFF2-40B4-BE49-F238E27FC236}">
-                    <a16:creationId xmlns:a16="http://schemas.microsoft.com/office/drawing/2014/main" id="{225C0DF0-7714-4940-A271-608B0DC9AAE6}"/>
-                  </a:ext>
-                </a:extLst>
-              </p:cNvPr>
-              <p:cNvSpPr txBox="1"/>
-              <p:nvPr/>
-            </p:nvSpPr>
-            <p:spPr>
-              <a:xfrm>
-                <a:off x="4511058" y="3926820"/>
-                <a:ext cx="320737" cy="307777"/>
-              </a:xfrm>
-              <a:prstGeom prst="rect">
-                <a:avLst/>
-              </a:prstGeom>
-              <a:noFill/>
-            </p:spPr>
-            <p:txBody>
-              <a:bodyPr wrap="square" rtlCol="0">
-                <a:spAutoFit/>
-              </a:bodyPr>
-              <a:lstStyle/>
-              <a:p>
-                <a:pPr/>
-                <a14:m>
-                  <m:oMathPara xmlns:m="http://schemas.openxmlformats.org/officeDocument/2006/math">
-                    <m:oMathParaPr>
-                      <m:jc m:val="centerGroup"/>
-                    </m:oMathParaPr>
-                    <m:oMath xmlns:m="http://schemas.openxmlformats.org/officeDocument/2006/math">
-                      <m:r>
-                        <a:rPr lang="en-US" b="0" i="1" smtClean="0">
-                          <a:solidFill>
-                            <a:srgbClr val="00B050"/>
-                          </a:solidFill>
-                          <a:latin typeface="Cambria Math" panose="02040503050406030204" pitchFamily="18" charset="0"/>
-                        </a:rPr>
-                        <m:t>2</m:t>
-                      </m:r>
-                    </m:oMath>
-                  </m:oMathPara>
-                </a14:m>
-                <a:endParaRPr lang="en-US" dirty="0">
-                  <a:solidFill>
-                    <a:srgbClr val="00B050"/>
-                  </a:solidFill>
-                </a:endParaRPr>
-              </a:p>
-            </p:txBody>
-          </p:sp>
-        </mc:Choice>
-        <mc:Fallback xmlns="">
-          <p:sp>
-            <p:nvSpPr>
-              <p:cNvPr id="59" name="TextBox 58">
-                <a:extLst>
-                  <a:ext uri="{FF2B5EF4-FFF2-40B4-BE49-F238E27FC236}">
-                    <a16:creationId xmlns:a16="http://schemas.microsoft.com/office/drawing/2014/main" id="{225C0DF0-7714-4940-A271-608B0DC9AAE6}"/>
-                  </a:ext>
-                </a:extLst>
-              </p:cNvPr>
-              <p:cNvSpPr txBox="1">
-                <a:spLocks noRot="1" noChangeAspect="1" noMove="1" noResize="1" noEditPoints="1" noAdjustHandles="1" noChangeArrowheads="1" noChangeShapeType="1" noTextEdit="1"/>
-              </p:cNvSpPr>
-              <p:nvPr/>
-            </p:nvSpPr>
-            <p:spPr>
-              <a:xfrm>
-                <a:off x="4511058" y="3926820"/>
-                <a:ext cx="320737" cy="307777"/>
-              </a:xfrm>
-              <a:prstGeom prst="rect">
-                <a:avLst/>
-              </a:prstGeom>
-              <a:blipFill>
-                <a:blip r:embed="rId7"/>
-                <a:stretch>
-                  <a:fillRect/>
-                </a:stretch>
-              </a:blipFill>
-            </p:spPr>
-            <p:txBody>
-              <a:bodyPr/>
-              <a:lstStyle/>
-              <a:p>
-                <a:r>
-                  <a:rPr lang="en-US">
-                    <a:noFill/>
-                  </a:rPr>
-                  <a:t> </a:t>
-                </a:r>
-              </a:p>
-            </p:txBody>
-          </p:sp>
-        </mc:Fallback>
-      </mc:AlternateContent>
-      <mc:AlternateContent xmlns:mc="http://schemas.openxmlformats.org/markup-compatibility/2006" xmlns:a14="http://schemas.microsoft.com/office/drawing/2010/main">
-        <mc:Choice Requires="a14">
-          <p:sp>
-            <p:nvSpPr>
-              <p:cNvPr id="65" name="TextBox 64">
-                <a:extLst>
-                  <a:ext uri="{FF2B5EF4-FFF2-40B4-BE49-F238E27FC236}">
-                    <a16:creationId xmlns:a16="http://schemas.microsoft.com/office/drawing/2014/main" id="{DABB7192-A6CF-4511-B619-09F621E4934E}"/>
-                  </a:ext>
-                </a:extLst>
-              </p:cNvPr>
-              <p:cNvSpPr txBox="1"/>
-              <p:nvPr/>
-            </p:nvSpPr>
-            <p:spPr>
-              <a:xfrm>
-                <a:off x="2473268" y="3125757"/>
-                <a:ext cx="1524910" cy="338554"/>
-              </a:xfrm>
-              <a:prstGeom prst="rect">
-                <a:avLst/>
-              </a:prstGeom>
-              <a:noFill/>
-              <a:ln>
-                <a:solidFill>
-                  <a:schemeClr val="tx1"/>
-                </a:solidFill>
-              </a:ln>
-            </p:spPr>
-            <p:txBody>
-              <a:bodyPr wrap="square" rtlCol="0">
-                <a:spAutoFit/>
-              </a:bodyPr>
-              <a:lstStyle/>
-              <a:p>
-                <a:pPr/>
-                <a14:m>
-                  <m:oMathPara xmlns:m="http://schemas.openxmlformats.org/officeDocument/2006/math">
-                    <m:oMathParaPr>
-                      <m:jc m:val="center"/>
-                    </m:oMathParaPr>
-                    <m:oMath xmlns:m="http://schemas.openxmlformats.org/officeDocument/2006/math">
-                      <m:r>
-                        <a:rPr lang="en-US" sz="1600" b="0" i="1" smtClean="0">
-                          <a:latin typeface="Cambria Math" panose="02040503050406030204" pitchFamily="18" charset="0"/>
-                        </a:rPr>
-                        <m:t>𝐵𝑒𝑛𝑑𝑖𝑛𝑔</m:t>
-                      </m:r>
-                      <m:r>
-                        <a:rPr lang="en-US" sz="1600" b="0" i="1" smtClean="0">
-                          <a:latin typeface="Cambria Math" panose="02040503050406030204" pitchFamily="18" charset="0"/>
-                        </a:rPr>
-                        <m:t> </m:t>
-                      </m:r>
-                      <m:r>
-                        <a:rPr lang="en-US" sz="1600" b="0" i="1" smtClean="0">
-                          <a:latin typeface="Cambria Math" panose="02040503050406030204" pitchFamily="18" charset="0"/>
-                        </a:rPr>
-                        <m:t>𝑝𝑙𝑎𝑛𝑒</m:t>
-                      </m:r>
-                    </m:oMath>
-                  </m:oMathPara>
-                </a14:m>
-                <a:endParaRPr lang="en-US" sz="1600" dirty="0"/>
-              </a:p>
-            </p:txBody>
-          </p:sp>
-        </mc:Choice>
-        <mc:Fallback xmlns="">
-          <p:sp>
-            <p:nvSpPr>
-              <p:cNvPr id="65" name="TextBox 64">
-                <a:extLst>
-                  <a:ext uri="{FF2B5EF4-FFF2-40B4-BE49-F238E27FC236}">
-                    <a16:creationId xmlns:a16="http://schemas.microsoft.com/office/drawing/2014/main" id="{DABB7192-A6CF-4511-B619-09F621E4934E}"/>
-                  </a:ext>
-                </a:extLst>
-              </p:cNvPr>
-              <p:cNvSpPr txBox="1">
-                <a:spLocks noRot="1" noChangeAspect="1" noMove="1" noResize="1" noEditPoints="1" noAdjustHandles="1" noChangeArrowheads="1" noChangeShapeType="1" noTextEdit="1"/>
-              </p:cNvSpPr>
-              <p:nvPr/>
-            </p:nvSpPr>
-            <p:spPr>
-              <a:xfrm>
-                <a:off x="2473268" y="3125757"/>
-                <a:ext cx="1524910" cy="338554"/>
-              </a:xfrm>
-              <a:prstGeom prst="rect">
-                <a:avLst/>
-              </a:prstGeom>
-              <a:blipFill>
-                <a:blip r:embed="rId8"/>
-                <a:stretch>
-                  <a:fillRect b="-10526"/>
-                </a:stretch>
-              </a:blipFill>
-              <a:ln>
-                <a:solidFill>
-                  <a:schemeClr val="tx1"/>
-                </a:solidFill>
-              </a:ln>
-            </p:spPr>
-            <p:txBody>
-              <a:bodyPr/>
-              <a:lstStyle/>
-              <a:p>
-                <a:r>
-                  <a:rPr lang="en-US">
-                    <a:noFill/>
-                  </a:rPr>
-                  <a:t> </a:t>
-                </a:r>
-              </a:p>
-            </p:txBody>
-          </p:sp>
-        </mc:Fallback>
-      </mc:AlternateContent>
-      <p:cxnSp>
-        <p:nvCxnSpPr>
-          <p:cNvPr id="67" name="Straight Arrow Connector 66">
-            <a:extLst>
-              <a:ext uri="{FF2B5EF4-FFF2-40B4-BE49-F238E27FC236}">
-                <a16:creationId xmlns:a16="http://schemas.microsoft.com/office/drawing/2014/main" id="{D4A7A45B-83C1-46A1-B1E9-7DA5E314EB68}"/>
-              </a:ext>
-            </a:extLst>
-          </p:cNvPr>
-          <p:cNvCxnSpPr>
-            <a:stCxn id="65" idx="3"/>
-          </p:cNvCxnSpPr>
-          <p:nvPr/>
-        </p:nvCxnSpPr>
-        <p:spPr>
-          <a:xfrm>
-            <a:off x="3998178" y="3295034"/>
-            <a:ext cx="508554" cy="615861"/>
-          </a:xfrm>
-          <a:prstGeom prst="straightConnector1">
-            <a:avLst/>
-          </a:prstGeom>
-          <a:ln>
-            <a:solidFill>
-              <a:schemeClr val="tx1"/>
-            </a:solidFill>
-            <a:tailEnd type="triangle"/>
-          </a:ln>
-        </p:spPr>
-        <p:style>
-          <a:lnRef idx="1">
-            <a:schemeClr val="accent1"/>
-          </a:lnRef>
-          <a:fillRef idx="0">
-            <a:schemeClr val="accent1"/>
-          </a:fillRef>
-          <a:effectRef idx="0">
-            <a:schemeClr val="accent1"/>
-          </a:effectRef>
-          <a:fontRef idx="minor">
-            <a:schemeClr val="tx1"/>
-          </a:fontRef>
-        </p:style>
-      </p:cxnSp>
-      <mc:AlternateContent xmlns:mc="http://schemas.openxmlformats.org/markup-compatibility/2006" xmlns:a14="http://schemas.microsoft.com/office/drawing/2010/main">
-        <mc:Choice Requires="a14">
-          <p:sp>
-            <p:nvSpPr>
-              <p:cNvPr id="68" name="TextBox 67">
-                <a:extLst>
-                  <a:ext uri="{FF2B5EF4-FFF2-40B4-BE49-F238E27FC236}">
-                    <a16:creationId xmlns:a16="http://schemas.microsoft.com/office/drawing/2014/main" id="{FBD4098A-5B2A-4336-88CC-755D94DE76B9}"/>
-                  </a:ext>
-                </a:extLst>
-              </p:cNvPr>
-              <p:cNvSpPr txBox="1"/>
-              <p:nvPr/>
-            </p:nvSpPr>
-            <p:spPr>
-              <a:xfrm>
-                <a:off x="2864498" y="2286000"/>
-                <a:ext cx="1642231" cy="338554"/>
-              </a:xfrm>
-              <a:prstGeom prst="rect">
-                <a:avLst/>
-              </a:prstGeom>
-              <a:noFill/>
-              <a:ln>
-                <a:solidFill>
-                  <a:schemeClr val="accent1"/>
-                </a:solidFill>
-              </a:ln>
-            </p:spPr>
-            <p:txBody>
-              <a:bodyPr wrap="square" rtlCol="0">
-                <a:spAutoFit/>
-              </a:bodyPr>
-              <a:lstStyle/>
-              <a:p>
-                <a:pPr/>
-                <a14:m>
-                  <m:oMathPara xmlns:m="http://schemas.openxmlformats.org/officeDocument/2006/math">
-                    <m:oMathParaPr>
-                      <m:jc m:val="centerGroup"/>
-                    </m:oMathParaPr>
-                    <m:oMath xmlns:m="http://schemas.openxmlformats.org/officeDocument/2006/math">
-                      <m:r>
-                        <a:rPr lang="en-US" sz="1600" b="0" i="1" smtClean="0">
-                          <a:solidFill>
-                            <a:schemeClr val="accent1"/>
-                          </a:solidFill>
-                          <a:latin typeface="Cambria Math" panose="02040503050406030204" pitchFamily="18" charset="0"/>
-                        </a:rPr>
-                        <m:t>𝑁𝑒𝑢𝑡𝑟𝑎𝑙</m:t>
-                      </m:r>
-                      <m:r>
-                        <a:rPr lang="en-US" sz="1600" b="0" i="1" smtClean="0">
-                          <a:latin typeface="Cambria Math" panose="02040503050406030204" pitchFamily="18" charset="0"/>
-                        </a:rPr>
-                        <m:t> </m:t>
-                      </m:r>
-                      <m:r>
-                        <a:rPr lang="en-US" sz="1600" b="0" i="1" smtClean="0">
-                          <a:solidFill>
-                            <a:schemeClr val="accent1"/>
-                          </a:solidFill>
-                          <a:latin typeface="Cambria Math" panose="02040503050406030204" pitchFamily="18" charset="0"/>
-                        </a:rPr>
-                        <m:t>𝐹𝑖𝑏𝑟𝑒</m:t>
-                      </m:r>
-                    </m:oMath>
-                  </m:oMathPara>
-                </a14:m>
-                <a:endParaRPr lang="en-US" sz="1600" dirty="0"/>
-              </a:p>
-            </p:txBody>
-          </p:sp>
-        </mc:Choice>
-        <mc:Fallback xmlns="">
-          <p:sp>
-            <p:nvSpPr>
-              <p:cNvPr id="68" name="TextBox 67">
-                <a:extLst>
-                  <a:ext uri="{FF2B5EF4-FFF2-40B4-BE49-F238E27FC236}">
-                    <a16:creationId xmlns:a16="http://schemas.microsoft.com/office/drawing/2014/main" id="{FBD4098A-5B2A-4336-88CC-755D94DE76B9}"/>
-                  </a:ext>
-                </a:extLst>
-              </p:cNvPr>
-              <p:cNvSpPr txBox="1">
-                <a:spLocks noRot="1" noChangeAspect="1" noMove="1" noResize="1" noEditPoints="1" noAdjustHandles="1" noChangeArrowheads="1" noChangeShapeType="1" noTextEdit="1"/>
-              </p:cNvSpPr>
-              <p:nvPr/>
-            </p:nvSpPr>
-            <p:spPr>
-              <a:xfrm>
-                <a:off x="2864498" y="2286000"/>
-                <a:ext cx="1642231" cy="338554"/>
-              </a:xfrm>
-              <a:prstGeom prst="rect">
-                <a:avLst/>
-              </a:prstGeom>
-              <a:blipFill>
-                <a:blip r:embed="rId9"/>
-                <a:stretch>
-                  <a:fillRect/>
-                </a:stretch>
-              </a:blipFill>
-              <a:ln>
-                <a:solidFill>
-                  <a:schemeClr val="accent1"/>
-                </a:solidFill>
-              </a:ln>
-            </p:spPr>
-            <p:txBody>
-              <a:bodyPr/>
-              <a:lstStyle/>
-              <a:p>
-                <a:r>
-                  <a:rPr lang="en-US">
-                    <a:noFill/>
-                  </a:rPr>
-                  <a:t> </a:t>
-                </a:r>
-              </a:p>
-            </p:txBody>
-          </p:sp>
-        </mc:Fallback>
-      </mc:AlternateContent>
-      <p:cxnSp>
-        <p:nvCxnSpPr>
-          <p:cNvPr id="70" name="Straight Arrow Connector 69">
-            <a:extLst>
-              <a:ext uri="{FF2B5EF4-FFF2-40B4-BE49-F238E27FC236}">
-                <a16:creationId xmlns:a16="http://schemas.microsoft.com/office/drawing/2014/main" id="{3BA4AE6D-8F6C-4920-A08C-5F84E5C3DA45}"/>
-              </a:ext>
-            </a:extLst>
-          </p:cNvPr>
-          <p:cNvCxnSpPr>
-            <a:cxnSpLocks/>
-            <a:stCxn id="68" idx="3"/>
-            <a:endCxn id="10" idx="1"/>
-          </p:cNvCxnSpPr>
-          <p:nvPr/>
-        </p:nvCxnSpPr>
-        <p:spPr>
-          <a:xfrm>
-            <a:off x="4506729" y="2455277"/>
-            <a:ext cx="1277482" cy="1447415"/>
-          </a:xfrm>
-          <a:prstGeom prst="straightConnector1">
-            <a:avLst/>
-          </a:prstGeom>
-          <a:ln>
-            <a:solidFill>
-              <a:schemeClr val="accent1"/>
-            </a:solidFill>
-            <a:tailEnd type="triangle"/>
-          </a:ln>
-        </p:spPr>
-        <p:style>
-          <a:lnRef idx="1">
-            <a:schemeClr val="accent1"/>
-          </a:lnRef>
-          <a:fillRef idx="0">
-            <a:schemeClr val="accent1"/>
-          </a:fillRef>
-          <a:effectRef idx="0">
-            <a:schemeClr val="accent1"/>
-          </a:effectRef>
-          <a:fontRef idx="minor">
-            <a:schemeClr val="tx1"/>
-          </a:fontRef>
-        </p:style>
-      </p:cxnSp>
-      <mc:AlternateContent xmlns:mc="http://schemas.openxmlformats.org/markup-compatibility/2006" xmlns:a14="http://schemas.microsoft.com/office/drawing/2010/main">
-        <mc:Choice Requires="a14">
-          <p:sp>
-            <p:nvSpPr>
-              <p:cNvPr id="72" name="TextBox 71">
-                <a:extLst>
-                  <a:ext uri="{FF2B5EF4-FFF2-40B4-BE49-F238E27FC236}">
-                    <a16:creationId xmlns:a16="http://schemas.microsoft.com/office/drawing/2014/main" id="{48223155-41C3-47CB-928E-91EF275114B7}"/>
-                  </a:ext>
-                </a:extLst>
-              </p:cNvPr>
-              <p:cNvSpPr txBox="1"/>
-              <p:nvPr/>
-            </p:nvSpPr>
-            <p:spPr>
-              <a:xfrm>
-                <a:off x="7269479" y="5166505"/>
-                <a:ext cx="1498851" cy="338554"/>
-              </a:xfrm>
-              <a:prstGeom prst="rect">
-                <a:avLst/>
-              </a:prstGeom>
-              <a:noFill/>
-              <a:ln>
-                <a:solidFill>
-                  <a:srgbClr val="00B050"/>
-                </a:solidFill>
-              </a:ln>
-            </p:spPr>
-            <p:txBody>
-              <a:bodyPr wrap="square" rtlCol="0">
-                <a:spAutoFit/>
-              </a:bodyPr>
-              <a:lstStyle/>
-              <a:p>
-                <a:pPr/>
-                <a14:m>
-                  <m:oMathPara xmlns:m="http://schemas.openxmlformats.org/officeDocument/2006/math">
-                    <m:oMathParaPr>
-                      <m:jc m:val="centerGroup"/>
-                    </m:oMathParaPr>
-                    <m:oMath xmlns:m="http://schemas.openxmlformats.org/officeDocument/2006/math">
-                      <m:r>
-                        <a:rPr lang="en-US" sz="1600" b="0" i="1" smtClean="0">
-                          <a:solidFill>
-                            <a:srgbClr val="00B050"/>
-                          </a:solidFill>
-                          <a:latin typeface="Cambria Math" panose="02040503050406030204" pitchFamily="18" charset="0"/>
-                        </a:rPr>
-                        <m:t>𝑆𝑀𝐴</m:t>
-                      </m:r>
-                      <m:r>
-                        <a:rPr lang="en-US" sz="1600" b="0" i="1" smtClean="0">
-                          <a:solidFill>
-                            <a:srgbClr val="00B050"/>
-                          </a:solidFill>
-                          <a:latin typeface="Cambria Math" panose="02040503050406030204" pitchFamily="18" charset="0"/>
-                        </a:rPr>
-                        <m:t> </m:t>
-                      </m:r>
-                      <m:r>
-                        <a:rPr lang="en-US" sz="1600" b="0" i="1" smtClean="0">
-                          <a:solidFill>
-                            <a:srgbClr val="00B050"/>
-                          </a:solidFill>
-                          <a:latin typeface="Cambria Math" panose="02040503050406030204" pitchFamily="18" charset="0"/>
-                        </a:rPr>
-                        <m:t>𝑤𝑖𝑟𝑒𝑠</m:t>
-                      </m:r>
-                    </m:oMath>
-                  </m:oMathPara>
-                </a14:m>
-                <a:endParaRPr lang="en-US" sz="1600" dirty="0">
-                  <a:solidFill>
-                    <a:srgbClr val="00B050"/>
-                  </a:solidFill>
-                </a:endParaRPr>
-              </a:p>
-            </p:txBody>
-          </p:sp>
-        </mc:Choice>
-        <mc:Fallback xmlns="">
-          <p:sp>
-            <p:nvSpPr>
-              <p:cNvPr id="72" name="TextBox 71">
-                <a:extLst>
-                  <a:ext uri="{FF2B5EF4-FFF2-40B4-BE49-F238E27FC236}">
-                    <a16:creationId xmlns:a16="http://schemas.microsoft.com/office/drawing/2014/main" id="{48223155-41C3-47CB-928E-91EF275114B7}"/>
-                  </a:ext>
-                </a:extLst>
-              </p:cNvPr>
-              <p:cNvSpPr txBox="1">
-                <a:spLocks noRot="1" noChangeAspect="1" noMove="1" noResize="1" noEditPoints="1" noAdjustHandles="1" noChangeArrowheads="1" noChangeShapeType="1" noTextEdit="1"/>
-              </p:cNvSpPr>
-              <p:nvPr/>
-            </p:nvSpPr>
-            <p:spPr>
-              <a:xfrm>
-                <a:off x="7269479" y="5166505"/>
-                <a:ext cx="1498851" cy="338554"/>
-              </a:xfrm>
-              <a:prstGeom prst="rect">
-                <a:avLst/>
-              </a:prstGeom>
-              <a:blipFill>
-                <a:blip r:embed="rId10"/>
-                <a:stretch>
-                  <a:fillRect/>
-                </a:stretch>
-              </a:blipFill>
-              <a:ln>
-                <a:solidFill>
-                  <a:srgbClr val="00B050"/>
-                </a:solidFill>
-              </a:ln>
-            </p:spPr>
-            <p:txBody>
-              <a:bodyPr/>
-              <a:lstStyle/>
-              <a:p>
-                <a:r>
-                  <a:rPr lang="en-US">
-                    <a:noFill/>
-                  </a:rPr>
-                  <a:t> </a:t>
-                </a:r>
-              </a:p>
-            </p:txBody>
-          </p:sp>
-        </mc:Fallback>
-      </mc:AlternateContent>
-      <p:cxnSp>
-        <p:nvCxnSpPr>
-          <p:cNvPr id="74" name="Straight Arrow Connector 73">
-            <a:extLst>
-              <a:ext uri="{FF2B5EF4-FFF2-40B4-BE49-F238E27FC236}">
-                <a16:creationId xmlns:a16="http://schemas.microsoft.com/office/drawing/2014/main" id="{525E6647-6B2D-47BF-902D-582F3B9BE51D}"/>
-              </a:ext>
-            </a:extLst>
-          </p:cNvPr>
-          <p:cNvCxnSpPr>
-            <a:stCxn id="72" idx="1"/>
-          </p:cNvCxnSpPr>
-          <p:nvPr/>
-        </p:nvCxnSpPr>
-        <p:spPr>
-          <a:xfrm flipH="1" flipV="1">
-            <a:off x="6834672" y="3918853"/>
-            <a:ext cx="434807" cy="1416929"/>
-          </a:xfrm>
-          <a:prstGeom prst="straightConnector1">
-            <a:avLst/>
-          </a:prstGeom>
-          <a:ln>
-            <a:solidFill>
-              <a:srgbClr val="00B050"/>
-            </a:solidFill>
-            <a:tailEnd type="triangle"/>
-          </a:ln>
-        </p:spPr>
-        <p:style>
-          <a:lnRef idx="1">
-            <a:schemeClr val="accent1"/>
-          </a:lnRef>
-          <a:fillRef idx="0">
-            <a:schemeClr val="accent1"/>
-          </a:fillRef>
-          <a:effectRef idx="0">
-            <a:schemeClr val="accent1"/>
-          </a:effectRef>
-          <a:fontRef idx="minor">
-            <a:schemeClr val="tx1"/>
-          </a:fontRef>
-        </p:style>
-      </p:cxnSp>
-      <p:cxnSp>
-        <p:nvCxnSpPr>
-          <p:cNvPr id="76" name="Straight Arrow Connector 75">
-            <a:extLst>
-              <a:ext uri="{FF2B5EF4-FFF2-40B4-BE49-F238E27FC236}">
-                <a16:creationId xmlns:a16="http://schemas.microsoft.com/office/drawing/2014/main" id="{E23481DD-7024-4519-B334-D2BCD7C34F3E}"/>
-              </a:ext>
-            </a:extLst>
-          </p:cNvPr>
-          <p:cNvCxnSpPr>
-            <a:stCxn id="72" idx="1"/>
-          </p:cNvCxnSpPr>
-          <p:nvPr/>
-        </p:nvCxnSpPr>
-        <p:spPr>
-          <a:xfrm flipH="1" flipV="1">
-            <a:off x="4808936" y="3926820"/>
-            <a:ext cx="2460543" cy="1408962"/>
-          </a:xfrm>
-          <a:prstGeom prst="straightConnector1">
-            <a:avLst/>
-          </a:prstGeom>
-          <a:ln>
-            <a:solidFill>
-              <a:srgbClr val="00B050"/>
-            </a:solidFill>
-            <a:tailEnd type="triangle"/>
-          </a:ln>
-        </p:spPr>
-        <p:style>
-          <a:lnRef idx="1">
-            <a:schemeClr val="accent1"/>
-          </a:lnRef>
-          <a:fillRef idx="0">
-            <a:schemeClr val="accent1"/>
-          </a:fillRef>
-          <a:effectRef idx="0">
-            <a:schemeClr val="accent1"/>
-          </a:effectRef>
-          <a:fontRef idx="minor">
-            <a:schemeClr val="tx1"/>
-          </a:fontRef>
-        </p:style>
-      </p:cxnSp>
-    </p:spTree>
-    <p:extLst>
-      <p:ext uri="{BB962C8B-B14F-4D97-AF65-F5344CB8AC3E}">
-        <p14:creationId xmlns:p14="http://schemas.microsoft.com/office/powerpoint/2010/main" val="2040997615"/>
-      </p:ext>
-    </p:extLst>
-  </p:cSld>
-  <p:clrMapOvr>
-    <a:masterClrMapping/>
-  </p:clrMapOvr>
-</p:sld>
-</file>
-
-<file path=ppt/slides/slide17.xml><?xml version="1.0" encoding="utf-8"?>
-<p:sld xmlns:a="http://schemas.openxmlformats.org/drawingml/2006/main" xmlns:r="http://schemas.openxmlformats.org/officeDocument/2006/relationships" xmlns:p="http://schemas.openxmlformats.org/presentationml/2006/main" show="0">
-  <p:cSld>
-    <p:spTree>
-      <p:nvGrpSpPr>
-        <p:cNvPr id="1" name=""/>
-        <p:cNvGrpSpPr/>
-        <p:nvPr/>
-      </p:nvGrpSpPr>
-      <p:grpSpPr>
-        <a:xfrm>
-          <a:off x="0" y="0"/>
-          <a:ext cx="0" cy="0"/>
-          <a:chOff x="0" y="0"/>
-          <a:chExt cx="0" cy="0"/>
-        </a:xfrm>
-      </p:grpSpPr>
-      <p:sp>
-        <p:nvSpPr>
-          <p:cNvPr id="2" name="Title 1">
-            <a:extLst>
-              <a:ext uri="{FF2B5EF4-FFF2-40B4-BE49-F238E27FC236}">
-                <a16:creationId xmlns:a16="http://schemas.microsoft.com/office/drawing/2014/main" id="{FEBB1C0D-AC7C-41AF-BAFF-EE29D47A5AD5}"/>
-              </a:ext>
-            </a:extLst>
-          </p:cNvPr>
-          <p:cNvSpPr>
-            <a:spLocks noGrp="1"/>
-          </p:cNvSpPr>
-          <p:nvPr>
-            <p:ph type="title"/>
-          </p:nvPr>
-        </p:nvSpPr>
-        <p:spPr/>
-        <p:txBody>
-          <a:bodyPr/>
-          <a:lstStyle/>
-          <a:p>
-            <a:r>
-              <a:rPr lang="en-US" dirty="0"/>
-              <a:t>Motivation</a:t>
-            </a:r>
-          </a:p>
-        </p:txBody>
-      </p:sp>
-      <p:sp>
-        <p:nvSpPr>
-          <p:cNvPr id="3" name="Content Placeholder 2">
-            <a:extLst>
-              <a:ext uri="{FF2B5EF4-FFF2-40B4-BE49-F238E27FC236}">
-                <a16:creationId xmlns:a16="http://schemas.microsoft.com/office/drawing/2014/main" id="{7A123347-8C49-4CF9-BB67-B90AAB7FE499}"/>
-              </a:ext>
-            </a:extLst>
-          </p:cNvPr>
-          <p:cNvSpPr>
-            <a:spLocks noGrp="1"/>
-          </p:cNvSpPr>
-          <p:nvPr>
-            <p:ph idx="1"/>
-          </p:nvPr>
-        </p:nvSpPr>
-        <p:spPr>
-          <a:xfrm>
-            <a:off x="1048200" y="1682267"/>
-            <a:ext cx="5290456" cy="4764800"/>
-          </a:xfrm>
-        </p:spPr>
-        <p:txBody>
-          <a:bodyPr/>
-          <a:lstStyle/>
-          <a:p>
-            <a:r>
-              <a:rPr lang="en-US" i="1" dirty="0"/>
-              <a:t>Research into Smart materials has brought about innovative actuation methods in Soft robotics</a:t>
-            </a:r>
-          </a:p>
-          <a:p>
-            <a:r>
-              <a:rPr lang="en-US" dirty="0"/>
-              <a:t>Pneumatic actuators → relatively large pressure valves</a:t>
-            </a:r>
-          </a:p>
-          <a:p>
-            <a:r>
-              <a:rPr lang="en-US" dirty="0"/>
-              <a:t>Cable-driven actuators → relatively large motors</a:t>
-            </a:r>
-          </a:p>
-          <a:p>
-            <a:r>
-              <a:rPr lang="en-US" dirty="0"/>
-              <a:t>Smart materials like SMAs integrate well into the robot → only electrical circuit to power them</a:t>
-            </a:r>
-          </a:p>
-          <a:p>
-            <a:r>
-              <a:rPr lang="en-US" dirty="0"/>
-              <a:t>Modeling necessary to predict their behavior for future control algorithms</a:t>
-            </a:r>
-          </a:p>
-        </p:txBody>
-      </p:sp>
-      <p:sp>
-        <p:nvSpPr>
-          <p:cNvPr id="4" name="Slide Number Placeholder 3">
-            <a:extLst>
-              <a:ext uri="{FF2B5EF4-FFF2-40B4-BE49-F238E27FC236}">
-                <a16:creationId xmlns:a16="http://schemas.microsoft.com/office/drawing/2014/main" id="{CF7FA4AD-658B-498A-9633-E6DB38DB3E27}"/>
-              </a:ext>
-            </a:extLst>
-          </p:cNvPr>
-          <p:cNvSpPr>
-            <a:spLocks noGrp="1"/>
-          </p:cNvSpPr>
-          <p:nvPr>
-            <p:ph type="sldNum" sz="quarter" idx="12"/>
-          </p:nvPr>
-        </p:nvSpPr>
-        <p:spPr/>
-        <p:txBody>
-          <a:bodyPr/>
-          <a:lstStyle/>
-          <a:p>
-            <a:fld id="{77CA4D1D-E6E4-4EC4-ABEB-5E9BD905FA32}" type="slidenum">
-              <a:rPr lang="en-US" smtClean="0"/>
-              <a:t>17</a:t>
-            </a:fld>
-            <a:endParaRPr lang="en-US" dirty="0"/>
-          </a:p>
-        </p:txBody>
-      </p:sp>
-      <p:pic>
-        <p:nvPicPr>
-          <p:cNvPr id="6" name="Picture 5">
-            <a:extLst>
-              <a:ext uri="{FF2B5EF4-FFF2-40B4-BE49-F238E27FC236}">
-                <a16:creationId xmlns:a16="http://schemas.microsoft.com/office/drawing/2014/main" id="{A410847C-E4BA-45F9-9F09-87B6A988C55F}"/>
-              </a:ext>
-            </a:extLst>
-          </p:cNvPr>
-          <p:cNvPicPr>
-            <a:picLocks noChangeAspect="1"/>
-          </p:cNvPicPr>
-          <p:nvPr/>
-        </p:nvPicPr>
-        <p:blipFill>
-          <a:blip r:embed="rId3">
-            <a:extLst>
-              <a:ext uri="{28A0092B-C50C-407E-A947-70E740481C1C}">
-                <a14:useLocalDpi xmlns:a14="http://schemas.microsoft.com/office/drawing/2010/main" val="0"/>
-              </a:ext>
-            </a:extLst>
-          </a:blip>
-          <a:stretch>
-            <a:fillRect/>
-          </a:stretch>
-        </p:blipFill>
-        <p:spPr>
-          <a:xfrm>
-            <a:off x="6625864" y="814924"/>
-            <a:ext cx="2218658" cy="2352581"/>
-          </a:xfrm>
-          <a:prstGeom prst="rect">
-            <a:avLst/>
-          </a:prstGeom>
-        </p:spPr>
-      </p:pic>
-      <p:pic>
-        <p:nvPicPr>
-          <p:cNvPr id="10" name="Picture 9">
-            <a:extLst>
-              <a:ext uri="{FF2B5EF4-FFF2-40B4-BE49-F238E27FC236}">
-                <a16:creationId xmlns:a16="http://schemas.microsoft.com/office/drawing/2014/main" id="{59833FF9-4DBE-4857-B95C-A39B34514C64}"/>
-              </a:ext>
-            </a:extLst>
-          </p:cNvPr>
-          <p:cNvPicPr>
-            <a:picLocks noChangeAspect="1"/>
-          </p:cNvPicPr>
-          <p:nvPr/>
-        </p:nvPicPr>
-        <p:blipFill>
-          <a:blip r:embed="rId4">
-            <a:extLst>
-              <a:ext uri="{28A0092B-C50C-407E-A947-70E740481C1C}">
-                <a14:useLocalDpi xmlns:a14="http://schemas.microsoft.com/office/drawing/2010/main" val="0"/>
-              </a:ext>
-            </a:extLst>
-          </a:blip>
-          <a:stretch>
-            <a:fillRect/>
-          </a:stretch>
-        </p:blipFill>
-        <p:spPr>
-          <a:xfrm>
-            <a:off x="9658905" y="2078709"/>
-            <a:ext cx="1912740" cy="2727425"/>
-          </a:xfrm>
-          <a:prstGeom prst="rect">
-            <a:avLst/>
-          </a:prstGeom>
-        </p:spPr>
-      </p:pic>
-      <p:pic>
-        <p:nvPicPr>
-          <p:cNvPr id="12" name="Picture 11">
-            <a:extLst>
-              <a:ext uri="{FF2B5EF4-FFF2-40B4-BE49-F238E27FC236}">
-                <a16:creationId xmlns:a16="http://schemas.microsoft.com/office/drawing/2014/main" id="{9FA99065-BC15-44D4-A904-A7837972D97D}"/>
-              </a:ext>
-            </a:extLst>
-          </p:cNvPr>
-          <p:cNvPicPr>
-            <a:picLocks noChangeAspect="1"/>
-          </p:cNvPicPr>
-          <p:nvPr/>
-        </p:nvPicPr>
-        <p:blipFill>
-          <a:blip r:embed="rId5">
-            <a:extLst>
-              <a:ext uri="{28A0092B-C50C-407E-A947-70E740481C1C}">
-                <a14:useLocalDpi xmlns:a14="http://schemas.microsoft.com/office/drawing/2010/main" val="0"/>
-              </a:ext>
-            </a:extLst>
-          </a:blip>
-          <a:stretch>
-            <a:fillRect/>
-          </a:stretch>
-        </p:blipFill>
-        <p:spPr>
-          <a:xfrm>
-            <a:off x="6625864" y="3902407"/>
-            <a:ext cx="2564119" cy="2188882"/>
-          </a:xfrm>
-          <a:prstGeom prst="rect">
-            <a:avLst/>
-          </a:prstGeom>
-        </p:spPr>
-      </p:pic>
-      <p:sp>
-        <p:nvSpPr>
-          <p:cNvPr id="13" name="TextBox 12">
-            <a:extLst>
-              <a:ext uri="{FF2B5EF4-FFF2-40B4-BE49-F238E27FC236}">
-                <a16:creationId xmlns:a16="http://schemas.microsoft.com/office/drawing/2014/main" id="{67B2D5C5-70DF-4A03-93A8-B0333DC8505A}"/>
-              </a:ext>
-            </a:extLst>
-          </p:cNvPr>
-          <p:cNvSpPr txBox="1"/>
-          <p:nvPr/>
-        </p:nvSpPr>
-        <p:spPr>
-          <a:xfrm>
-            <a:off x="6625864" y="3163743"/>
-            <a:ext cx="2384970" cy="738664"/>
-          </a:xfrm>
-          <a:prstGeom prst="rect">
-            <a:avLst/>
-          </a:prstGeom>
-          <a:noFill/>
-        </p:spPr>
-        <p:txBody>
-          <a:bodyPr wrap="square" rtlCol="0">
-            <a:spAutoFit/>
-          </a:bodyPr>
-          <a:lstStyle/>
-          <a:p>
-            <a:pPr marL="38100">
-              <a:spcBef>
-                <a:spcPts val="600"/>
-              </a:spcBef>
-              <a:buClr>
-                <a:schemeClr val="accent4"/>
-              </a:buClr>
-              <a:buSzPts val="3000"/>
-            </a:pPr>
-            <a:r>
-              <a:rPr lang="en-US" dirty="0">
-                <a:solidFill>
-                  <a:schemeClr val="dk1"/>
-                </a:solidFill>
-                <a:latin typeface="Source Sans Pro"/>
-                <a:ea typeface="Source Sans Pro"/>
-                <a:sym typeface="Source Sans Pro"/>
-              </a:rPr>
-              <a:t>Fig. 1: Pneumatically actuated Gecko-inspired robot </a:t>
-            </a:r>
-            <a:r>
-              <a:rPr lang="en-US" dirty="0">
-                <a:solidFill>
-                  <a:schemeClr val="dk1"/>
-                </a:solidFill>
-                <a:latin typeface="Source Sans Pro"/>
-                <a:ea typeface="Source Sans Pro"/>
-                <a:sym typeface="Source Sans Pro"/>
-                <a:hlinkClick r:id="rId6" action="ppaction://hlinksldjump"/>
-              </a:rPr>
-              <a:t>[1]</a:t>
-            </a:r>
-            <a:endParaRPr lang="en-US" dirty="0">
-              <a:solidFill>
-                <a:schemeClr val="dk1"/>
-              </a:solidFill>
-              <a:latin typeface="Source Sans Pro"/>
-              <a:ea typeface="Source Sans Pro"/>
-              <a:sym typeface="Source Sans Pro"/>
-            </a:endParaRPr>
-          </a:p>
-        </p:txBody>
-      </p:sp>
-      <p:sp>
-        <p:nvSpPr>
-          <p:cNvPr id="14" name="TextBox 13">
-            <a:extLst>
-              <a:ext uri="{FF2B5EF4-FFF2-40B4-BE49-F238E27FC236}">
-                <a16:creationId xmlns:a16="http://schemas.microsoft.com/office/drawing/2014/main" id="{CAEB3CB3-B6CA-4B40-A53A-D475B813D5DD}"/>
-              </a:ext>
-            </a:extLst>
-          </p:cNvPr>
-          <p:cNvSpPr txBox="1"/>
-          <p:nvPr/>
-        </p:nvSpPr>
-        <p:spPr>
-          <a:xfrm>
-            <a:off x="9658905" y="4935984"/>
-            <a:ext cx="1912740" cy="523220"/>
-          </a:xfrm>
-          <a:prstGeom prst="rect">
-            <a:avLst/>
-          </a:prstGeom>
-          <a:noFill/>
-        </p:spPr>
-        <p:txBody>
-          <a:bodyPr wrap="square" rtlCol="0">
-            <a:spAutoFit/>
-          </a:bodyPr>
-          <a:lstStyle/>
-          <a:p>
-            <a:pPr marL="38100">
-              <a:spcBef>
-                <a:spcPts val="600"/>
-              </a:spcBef>
-              <a:buClr>
-                <a:schemeClr val="accent4"/>
-              </a:buClr>
-              <a:buSzPts val="3000"/>
-            </a:pPr>
-            <a:r>
-              <a:rPr lang="en-US" dirty="0">
-                <a:solidFill>
-                  <a:schemeClr val="dk1"/>
-                </a:solidFill>
-                <a:latin typeface="Source Sans Pro"/>
-                <a:ea typeface="Source Sans Pro"/>
-              </a:rPr>
-              <a:t>Fig. 2: Cable-driven Gecko-inspired robot</a:t>
-            </a:r>
-          </a:p>
-        </p:txBody>
-      </p:sp>
-      <p:sp>
-        <p:nvSpPr>
-          <p:cNvPr id="15" name="TextBox 14">
-            <a:extLst>
-              <a:ext uri="{FF2B5EF4-FFF2-40B4-BE49-F238E27FC236}">
-                <a16:creationId xmlns:a16="http://schemas.microsoft.com/office/drawing/2014/main" id="{9AB8DF91-414F-487C-992E-11A91676051F}"/>
-              </a:ext>
-            </a:extLst>
-          </p:cNvPr>
-          <p:cNvSpPr txBox="1"/>
-          <p:nvPr/>
-        </p:nvSpPr>
-        <p:spPr>
-          <a:xfrm>
-            <a:off x="6625864" y="6185457"/>
-            <a:ext cx="2564119" cy="523220"/>
-          </a:xfrm>
-          <a:prstGeom prst="rect">
-            <a:avLst/>
-          </a:prstGeom>
-          <a:noFill/>
-        </p:spPr>
-        <p:txBody>
-          <a:bodyPr wrap="square" rtlCol="0">
-            <a:spAutoFit/>
-          </a:bodyPr>
-          <a:lstStyle/>
-          <a:p>
-            <a:pPr marL="38100">
-              <a:spcBef>
-                <a:spcPts val="600"/>
-              </a:spcBef>
-              <a:buClr>
-                <a:schemeClr val="accent4"/>
-              </a:buClr>
-              <a:buSzPts val="3000"/>
-            </a:pPr>
-            <a:r>
-              <a:rPr lang="en-US" dirty="0">
-                <a:solidFill>
-                  <a:schemeClr val="dk1"/>
-                </a:solidFill>
-                <a:latin typeface="Source Sans Pro"/>
-                <a:ea typeface="Source Sans Pro"/>
-              </a:rPr>
-              <a:t>Fig. 3: Prototypes of SMA driven continuum robots </a:t>
-            </a:r>
-            <a:r>
-              <a:rPr lang="en-US" dirty="0">
-                <a:solidFill>
-                  <a:schemeClr val="dk1"/>
-                </a:solidFill>
-                <a:latin typeface="Source Sans Pro"/>
-                <a:ea typeface="Source Sans Pro"/>
-                <a:hlinkClick r:id="rId6" action="ppaction://hlinksldjump"/>
-              </a:rPr>
-              <a:t>[2]</a:t>
-            </a:r>
-            <a:endParaRPr lang="en-US" dirty="0">
-              <a:solidFill>
-                <a:schemeClr val="dk1"/>
-              </a:solidFill>
-              <a:latin typeface="Source Sans Pro"/>
-              <a:ea typeface="Source Sans Pro"/>
-            </a:endParaRPr>
-          </a:p>
-        </p:txBody>
-      </p:sp>
-    </p:spTree>
-    <p:extLst>
-      <p:ext uri="{BB962C8B-B14F-4D97-AF65-F5344CB8AC3E}">
-        <p14:creationId xmlns:p14="http://schemas.microsoft.com/office/powerpoint/2010/main" val="3610265912"/>
-      </p:ext>
-    </p:extLst>
-  </p:cSld>
-  <p:clrMapOvr>
-    <a:masterClrMapping/>
-  </p:clrMapOvr>
-</p:sld>
-</file>
-
-<file path=ppt/slides/slide18.xml><?xml version="1.0" encoding="utf-8"?>
-<p:sld xmlns:a="http://schemas.openxmlformats.org/drawingml/2006/main" xmlns:r="http://schemas.openxmlformats.org/officeDocument/2006/relationships" xmlns:p="http://schemas.openxmlformats.org/presentationml/2006/main" show="0">
-  <p:cSld>
-    <p:spTree>
-      <p:nvGrpSpPr>
-        <p:cNvPr id="1" name=""/>
-        <p:cNvGrpSpPr/>
-        <p:nvPr/>
-      </p:nvGrpSpPr>
-      <p:grpSpPr>
-        <a:xfrm>
-          <a:off x="0" y="0"/>
-          <a:ext cx="0" cy="0"/>
-          <a:chOff x="0" y="0"/>
-          <a:chExt cx="0" cy="0"/>
-        </a:xfrm>
-      </p:grpSpPr>
-      <p:sp>
-        <p:nvSpPr>
-          <p:cNvPr id="2" name="Title 1">
-            <a:extLst>
-              <a:ext uri="{FF2B5EF4-FFF2-40B4-BE49-F238E27FC236}">
-                <a16:creationId xmlns:a16="http://schemas.microsoft.com/office/drawing/2014/main" id="{52BC2A91-5E47-4167-9F3C-F5B5ED63426F}"/>
-              </a:ext>
-            </a:extLst>
-          </p:cNvPr>
-          <p:cNvSpPr>
-            <a:spLocks noGrp="1"/>
-          </p:cNvSpPr>
-          <p:nvPr>
-            <p:ph type="title"/>
-          </p:nvPr>
-        </p:nvSpPr>
-        <p:spPr/>
-        <p:txBody>
-          <a:bodyPr/>
-          <a:lstStyle/>
-          <a:p>
-            <a:r>
-              <a:rPr lang="en-US" dirty="0"/>
-              <a:t>Shape memory alloy actuators</a:t>
-            </a:r>
-          </a:p>
-        </p:txBody>
-      </p:sp>
-      <p:sp>
-        <p:nvSpPr>
-          <p:cNvPr id="3" name="Content Placeholder 2">
-            <a:extLst>
-              <a:ext uri="{FF2B5EF4-FFF2-40B4-BE49-F238E27FC236}">
-                <a16:creationId xmlns:a16="http://schemas.microsoft.com/office/drawing/2014/main" id="{6CA5A772-49F2-490F-AF6D-2FCB1771E244}"/>
-              </a:ext>
-            </a:extLst>
-          </p:cNvPr>
-          <p:cNvSpPr>
-            <a:spLocks noGrp="1"/>
-          </p:cNvSpPr>
-          <p:nvPr>
-            <p:ph idx="1"/>
-          </p:nvPr>
-        </p:nvSpPr>
-        <p:spPr>
-          <a:xfrm>
-            <a:off x="1048200" y="1682267"/>
-            <a:ext cx="6559963" cy="4764800"/>
-          </a:xfrm>
-        </p:spPr>
-        <p:txBody>
-          <a:bodyPr/>
-          <a:lstStyle/>
-          <a:p>
-            <a:r>
-              <a:rPr lang="en-US" dirty="0"/>
-              <a:t>SMAs → integrated directly into robot</a:t>
-            </a:r>
-          </a:p>
-          <a:p>
-            <a:r>
-              <a:rPr lang="en-US" dirty="0"/>
-              <a:t>Actuated by electric current → Joule heating</a:t>
-            </a:r>
-          </a:p>
-          <a:p>
-            <a:r>
-              <a:rPr lang="en-US" dirty="0"/>
-              <a:t>Heating above austentite transformation temperature leads to a contraction due to phase transformation in lattice crystal material</a:t>
-            </a:r>
-          </a:p>
-          <a:p>
-            <a:r>
-              <a:rPr lang="en-US" dirty="0"/>
-              <a:t>Initial shape → applying external force (e.g., with another SMA wire)</a:t>
-            </a:r>
-          </a:p>
-          <a:p>
-            <a:r>
-              <a:rPr lang="en-US" dirty="0"/>
-              <a:t>Non-linear response of strain to input current, hysteresis characteristic</a:t>
-            </a:r>
-          </a:p>
-          <a:p>
-            <a:r>
-              <a:rPr lang="en-US" dirty="0"/>
-              <a:t>Need accurate mathematical model → more accurate control</a:t>
-            </a:r>
-          </a:p>
-        </p:txBody>
-      </p:sp>
-      <p:sp>
-        <p:nvSpPr>
-          <p:cNvPr id="4" name="Slide Number Placeholder 3">
-            <a:extLst>
-              <a:ext uri="{FF2B5EF4-FFF2-40B4-BE49-F238E27FC236}">
-                <a16:creationId xmlns:a16="http://schemas.microsoft.com/office/drawing/2014/main" id="{0997DB5F-1C44-4C76-998A-14A9E000462F}"/>
-              </a:ext>
-            </a:extLst>
-          </p:cNvPr>
-          <p:cNvSpPr>
-            <a:spLocks noGrp="1"/>
-          </p:cNvSpPr>
-          <p:nvPr>
-            <p:ph type="sldNum" sz="quarter" idx="12"/>
-          </p:nvPr>
-        </p:nvSpPr>
-        <p:spPr/>
-        <p:txBody>
-          <a:bodyPr/>
-          <a:lstStyle/>
-          <a:p>
-            <a:fld id="{77CA4D1D-E6E4-4EC4-ABEB-5E9BD905FA32}" type="slidenum">
-              <a:rPr lang="en-US" smtClean="0"/>
-              <a:t>18</a:t>
-            </a:fld>
-            <a:endParaRPr lang="en-US" dirty="0"/>
-          </a:p>
-        </p:txBody>
-      </p:sp>
-      <p:pic>
-        <p:nvPicPr>
-          <p:cNvPr id="6" name="Picture 5">
-            <a:extLst>
-              <a:ext uri="{FF2B5EF4-FFF2-40B4-BE49-F238E27FC236}">
-                <a16:creationId xmlns:a16="http://schemas.microsoft.com/office/drawing/2014/main" id="{514AAB11-64FF-4FA0-AC61-C001150CCA2C}"/>
-              </a:ext>
-            </a:extLst>
-          </p:cNvPr>
-          <p:cNvPicPr>
-            <a:picLocks noChangeAspect="1"/>
-          </p:cNvPicPr>
-          <p:nvPr/>
-        </p:nvPicPr>
-        <p:blipFill>
-          <a:blip r:embed="rId3">
-            <a:extLst>
-              <a:ext uri="{28A0092B-C50C-407E-A947-70E740481C1C}">
-                <a14:useLocalDpi xmlns:a14="http://schemas.microsoft.com/office/drawing/2010/main" val="0"/>
-              </a:ext>
-            </a:extLst>
-          </a:blip>
-          <a:stretch>
-            <a:fillRect/>
-          </a:stretch>
-        </p:blipFill>
-        <p:spPr>
-          <a:xfrm>
-            <a:off x="7403144" y="2278280"/>
-            <a:ext cx="4168501" cy="2301439"/>
-          </a:xfrm>
-          <a:prstGeom prst="rect">
-            <a:avLst/>
-          </a:prstGeom>
-        </p:spPr>
-      </p:pic>
-      <p:sp>
-        <p:nvSpPr>
-          <p:cNvPr id="7" name="TextBox 6">
-            <a:extLst>
-              <a:ext uri="{FF2B5EF4-FFF2-40B4-BE49-F238E27FC236}">
-                <a16:creationId xmlns:a16="http://schemas.microsoft.com/office/drawing/2014/main" id="{421366D3-7F30-4FC1-9912-BB30CBE2CA9E}"/>
-              </a:ext>
-            </a:extLst>
-          </p:cNvPr>
-          <p:cNvSpPr txBox="1"/>
-          <p:nvPr/>
-        </p:nvSpPr>
-        <p:spPr>
-          <a:xfrm>
-            <a:off x="7929779" y="4771708"/>
-            <a:ext cx="3320249" cy="738664"/>
-          </a:xfrm>
-          <a:prstGeom prst="rect">
-            <a:avLst/>
-          </a:prstGeom>
-          <a:noFill/>
-        </p:spPr>
-        <p:txBody>
-          <a:bodyPr wrap="square" rtlCol="0">
-            <a:spAutoFit/>
-          </a:bodyPr>
-          <a:lstStyle/>
-          <a:p>
-            <a:r>
-              <a:rPr lang="en-US" dirty="0">
-                <a:solidFill>
-                  <a:schemeClr val="dk1"/>
-                </a:solidFill>
-                <a:latin typeface="Source Sans Pro"/>
-                <a:ea typeface="Source Sans Pro"/>
-              </a:rPr>
-              <a:t>Fig. 3: Schematic diagram of a continuum robot with integrated SMA wire for the theoretical design of the actuators. </a:t>
-            </a:r>
-            <a:r>
-              <a:rPr lang="en-US" dirty="0">
-                <a:solidFill>
-                  <a:schemeClr val="dk1"/>
-                </a:solidFill>
-                <a:latin typeface="Source Sans Pro"/>
-                <a:ea typeface="Source Sans Pro"/>
-                <a:hlinkClick r:id="rId4" action="ppaction://hlinksldjump"/>
-              </a:rPr>
-              <a:t>[2]</a:t>
-            </a:r>
-            <a:endParaRPr lang="en-US" dirty="0">
-              <a:solidFill>
-                <a:schemeClr val="dk1"/>
-              </a:solidFill>
-              <a:latin typeface="Source Sans Pro"/>
-              <a:ea typeface="Source Sans Pro"/>
-            </a:endParaRPr>
-          </a:p>
-        </p:txBody>
-      </p:sp>
-    </p:spTree>
-    <p:extLst>
-      <p:ext uri="{BB962C8B-B14F-4D97-AF65-F5344CB8AC3E}">
-        <p14:creationId xmlns:p14="http://schemas.microsoft.com/office/powerpoint/2010/main" val="1106581750"/>
       </p:ext>
     </p:extLst>
   </p:cSld>
@@ -13974,8 +11202,8 @@
           </a:p>
         </p:txBody>
       </p:sp>
-      <mc:AlternateContent xmlns:mc="http://schemas.openxmlformats.org/markup-compatibility/2006" xmlns:a14="http://schemas.microsoft.com/office/drawing/2010/main">
-        <mc:Choice Requires="a14">
+      <mc:AlternateContent xmlns:mc="http://schemas.openxmlformats.org/markup-compatibility/2006">
+        <mc:Choice xmlns:a14="http://schemas.microsoft.com/office/drawing/2010/main" Requires="a14">
           <p:sp>
             <p:nvSpPr>
               <p:cNvPr id="3" name="Content Placeholder 2">
@@ -14037,7 +11265,7 @@
                           <a:rPr lang="en-US" b="0" i="1" smtClean="0">
                             <a:latin typeface="Cambria Math" panose="02040503050406030204" pitchFamily="18" charset="0"/>
                           </a:rPr>
-                          <m:t>1</m:t>
+                          <m:t>′</m:t>
                         </m:r>
                       </m:sup>
                     </m:sSubSup>
@@ -14118,7 +11346,7 @@
                           <a:rPr lang="en-US" b="0" i="1" smtClean="0">
                             <a:latin typeface="Cambria Math" panose="02040503050406030204" pitchFamily="18" charset="0"/>
                           </a:rPr>
-                          <m:t>1</m:t>
+                          <m:t>′</m:t>
                         </m:r>
                       </m:sup>
                     </m:sSubSup>
@@ -14295,7 +11523,7 @@
               <a:p>
                 <a:r>
                   <a:rPr lang="en-US" dirty="0"/>
-                  <a:t>From Fig. 4, we can write </a:t>
+                  <a:t>From eqn. 3, we can write </a:t>
                 </a:r>
               </a:p>
               <a:p>
@@ -14428,7 +11656,7 @@
                           <a:rPr lang="en-US" b="0" i="1" smtClean="0">
                             <a:latin typeface="Cambria Math" panose="02040503050406030204" pitchFamily="18" charset="0"/>
                           </a:rPr>
-                          <m:t>1</m:t>
+                          <m:t>′</m:t>
                         </m:r>
                       </m:sup>
                     </m:sSubSup>
@@ -14607,7 +11835,7 @@
             </p:txBody>
           </p:sp>
         </mc:Choice>
-        <mc:Fallback xmlns="">
+        <mc:Fallback>
           <p:sp>
             <p:nvSpPr>
               <p:cNvPr id="3" name="Content Placeholder 2">
@@ -14724,10 +11952,10 @@
       </p:sp>
       <p:pic>
         <p:nvPicPr>
-          <p:cNvPr id="6" name="Picture 5">
+          <p:cNvPr id="8" name="Picture 7">
             <a:extLst>
               <a:ext uri="{FF2B5EF4-FFF2-40B4-BE49-F238E27FC236}">
-                <a16:creationId xmlns:a16="http://schemas.microsoft.com/office/drawing/2014/main" id="{E5BFBA6C-1F36-400F-AD1C-80EAF124E9D7}"/>
+                <a16:creationId xmlns:a16="http://schemas.microsoft.com/office/drawing/2014/main" id="{A349CB80-0050-49CE-A031-DDAC556D4307}"/>
               </a:ext>
             </a:extLst>
           </p:cNvPr>
@@ -14750,8 +11978,8 @@
         </p:blipFill>
         <p:spPr>
           <a:xfrm>
-            <a:off x="8346889" y="581831"/>
-            <a:ext cx="3080632" cy="4357116"/>
+            <a:off x="8874456" y="3190439"/>
+            <a:ext cx="2553065" cy="3610947"/>
           </a:xfrm>
           <a:prstGeom prst="rect">
             <a:avLst/>
@@ -14760,10 +11988,10 @@
       </p:pic>
       <p:pic>
         <p:nvPicPr>
-          <p:cNvPr id="8" name="Picture 7">
+          <p:cNvPr id="7" name="Picture 6">
             <a:extLst>
               <a:ext uri="{FF2B5EF4-FFF2-40B4-BE49-F238E27FC236}">
-                <a16:creationId xmlns:a16="http://schemas.microsoft.com/office/drawing/2014/main" id="{A349CB80-0050-49CE-A031-DDAC556D4307}"/>
+                <a16:creationId xmlns:a16="http://schemas.microsoft.com/office/drawing/2014/main" id="{57894B7C-CB8E-4B80-A9EF-66819BE283B8}"/>
               </a:ext>
             </a:extLst>
           </p:cNvPr>
@@ -14786,8 +12014,8 @@
         </p:blipFill>
         <p:spPr>
           <a:xfrm>
-            <a:off x="8874456" y="3190439"/>
-            <a:ext cx="2553065" cy="3610947"/>
+            <a:off x="8576583" y="660250"/>
+            <a:ext cx="3051624" cy="4316088"/>
           </a:xfrm>
           <a:prstGeom prst="rect">
             <a:avLst/>
@@ -14852,8 +12080,8 @@
           </a:p>
         </p:txBody>
       </p:sp>
-      <mc:AlternateContent xmlns:mc="http://schemas.openxmlformats.org/markup-compatibility/2006" xmlns:a14="http://schemas.microsoft.com/office/drawing/2010/main">
-        <mc:Choice Requires="a14">
+      <mc:AlternateContent xmlns:mc="http://schemas.openxmlformats.org/markup-compatibility/2006">
+        <mc:Choice xmlns:a14="http://schemas.microsoft.com/office/drawing/2010/main" Requires="a14">
           <p:sp>
             <p:nvSpPr>
               <p:cNvPr id="3" name="Content Placeholder 2">
@@ -14910,7 +12138,7 @@
                           <a:rPr lang="en-US" b="0" i="1" smtClean="0">
                             <a:latin typeface="Cambria Math" panose="02040503050406030204" pitchFamily="18" charset="0"/>
                           </a:rPr>
-                          <m:t>1</m:t>
+                          <m:t>′</m:t>
                         </m:r>
                       </m:sup>
                     </m:sSubSup>
@@ -14964,7 +12192,7 @@
                           <a:rPr lang="en-US" b="0" i="1" smtClean="0">
                             <a:latin typeface="Cambria Math" panose="02040503050406030204" pitchFamily="18" charset="0"/>
                           </a:rPr>
-                          <m:t>1</m:t>
+                          <m:t>′</m:t>
                         </m:r>
                       </m:sup>
                     </m:sSubSup>
@@ -15182,7 +12410,7 @@
             </p:txBody>
           </p:sp>
         </mc:Choice>
-        <mc:Fallback xmlns="">
+        <mc:Fallback>
           <p:sp>
             <p:nvSpPr>
               <p:cNvPr id="3" name="Content Placeholder 2">
@@ -15203,7 +12431,7 @@
               <a:blipFill>
                 <a:blip r:embed="rId2"/>
                 <a:stretch>
-                  <a:fillRect l="-1027" t="-1407"/>
+                  <a:fillRect l="-1027" t="-1535"/>
                 </a:stretch>
               </a:blipFill>
             </p:spPr>
